--- a/exploPR.pptx
+++ b/exploPR.pptx
@@ -7,7 +7,12 @@
   <p:sldIdLst>
     <p:sldId id="256" r:id="rId2"/>
     <p:sldId id="257" r:id="rId3"/>
-    <p:sldId id="258" r:id="rId4"/>
+    <p:sldId id="260" r:id="rId4"/>
+    <p:sldId id="258" r:id="rId5"/>
+    <p:sldId id="259" r:id="rId6"/>
+    <p:sldId id="261" r:id="rId7"/>
+    <p:sldId id="262" r:id="rId8"/>
+    <p:sldId id="263" r:id="rId9"/>
   </p:sldIdLst>
   <p:sldSz cx="12192000" cy="6858000"/>
   <p:notesSz cx="6858000" cy="9144000"/>
@@ -106,6 +111,11 @@
       </a:defRPr>
     </a:lvl9pPr>
   </p:defaultTextStyle>
+  <p:extLst>
+    <p:ext uri="{EFAFB233-063F-42B5-8137-9DF3F51BA10A}">
+      <p15:sldGuideLst xmlns:p15="http://schemas.microsoft.com/office/powerpoint/2012/main"/>
+    </p:ext>
+  </p:extLst>
 </p:presentation>
 </file>
 
@@ -256,7 +266,7 @@
           <a:p>
             <a:fld id="{467F25CB-133B-41C1-9339-98FF9EE6896E}" type="datetimeFigureOut">
               <a:rPr lang="fr-FR" smtClean="0"/>
-              <a:t>06/05/2021</a:t>
+              <a:t>07/05/2021</a:t>
             </a:fld>
             <a:endParaRPr lang="fr-FR"/>
           </a:p>
@@ -454,7 +464,7 @@
           <a:p>
             <a:fld id="{467F25CB-133B-41C1-9339-98FF9EE6896E}" type="datetimeFigureOut">
               <a:rPr lang="fr-FR" smtClean="0"/>
-              <a:t>06/05/2021</a:t>
+              <a:t>07/05/2021</a:t>
             </a:fld>
             <a:endParaRPr lang="fr-FR"/>
           </a:p>
@@ -662,7 +672,7 @@
           <a:p>
             <a:fld id="{467F25CB-133B-41C1-9339-98FF9EE6896E}" type="datetimeFigureOut">
               <a:rPr lang="fr-FR" smtClean="0"/>
-              <a:t>06/05/2021</a:t>
+              <a:t>07/05/2021</a:t>
             </a:fld>
             <a:endParaRPr lang="fr-FR"/>
           </a:p>
@@ -860,7 +870,7 @@
           <a:p>
             <a:fld id="{467F25CB-133B-41C1-9339-98FF9EE6896E}" type="datetimeFigureOut">
               <a:rPr lang="fr-FR" smtClean="0"/>
-              <a:t>06/05/2021</a:t>
+              <a:t>07/05/2021</a:t>
             </a:fld>
             <a:endParaRPr lang="fr-FR"/>
           </a:p>
@@ -1135,7 +1145,7 @@
           <a:p>
             <a:fld id="{467F25CB-133B-41C1-9339-98FF9EE6896E}" type="datetimeFigureOut">
               <a:rPr lang="fr-FR" smtClean="0"/>
-              <a:t>06/05/2021</a:t>
+              <a:t>07/05/2021</a:t>
             </a:fld>
             <a:endParaRPr lang="fr-FR"/>
           </a:p>
@@ -1400,7 +1410,7 @@
           <a:p>
             <a:fld id="{467F25CB-133B-41C1-9339-98FF9EE6896E}" type="datetimeFigureOut">
               <a:rPr lang="fr-FR" smtClean="0"/>
-              <a:t>06/05/2021</a:t>
+              <a:t>07/05/2021</a:t>
             </a:fld>
             <a:endParaRPr lang="fr-FR"/>
           </a:p>
@@ -1812,7 +1822,7 @@
           <a:p>
             <a:fld id="{467F25CB-133B-41C1-9339-98FF9EE6896E}" type="datetimeFigureOut">
               <a:rPr lang="fr-FR" smtClean="0"/>
-              <a:t>06/05/2021</a:t>
+              <a:t>07/05/2021</a:t>
             </a:fld>
             <a:endParaRPr lang="fr-FR"/>
           </a:p>
@@ -1953,7 +1963,7 @@
           <a:p>
             <a:fld id="{467F25CB-133B-41C1-9339-98FF9EE6896E}" type="datetimeFigureOut">
               <a:rPr lang="fr-FR" smtClean="0"/>
-              <a:t>06/05/2021</a:t>
+              <a:t>07/05/2021</a:t>
             </a:fld>
             <a:endParaRPr lang="fr-FR"/>
           </a:p>
@@ -2066,7 +2076,7 @@
           <a:p>
             <a:fld id="{467F25CB-133B-41C1-9339-98FF9EE6896E}" type="datetimeFigureOut">
               <a:rPr lang="fr-FR" smtClean="0"/>
-              <a:t>06/05/2021</a:t>
+              <a:t>07/05/2021</a:t>
             </a:fld>
             <a:endParaRPr lang="fr-FR"/>
           </a:p>
@@ -2377,7 +2387,7 @@
           <a:p>
             <a:fld id="{467F25CB-133B-41C1-9339-98FF9EE6896E}" type="datetimeFigureOut">
               <a:rPr lang="fr-FR" smtClean="0"/>
-              <a:t>06/05/2021</a:t>
+              <a:t>07/05/2021</a:t>
             </a:fld>
             <a:endParaRPr lang="fr-FR"/>
           </a:p>
@@ -2665,7 +2675,7 @@
           <a:p>
             <a:fld id="{467F25CB-133B-41C1-9339-98FF9EE6896E}" type="datetimeFigureOut">
               <a:rPr lang="fr-FR" smtClean="0"/>
-              <a:t>06/05/2021</a:t>
+              <a:t>07/05/2021</a:t>
             </a:fld>
             <a:endParaRPr lang="fr-FR"/>
           </a:p>
@@ -2906,7 +2916,7 @@
           <a:p>
             <a:fld id="{467F25CB-133B-41C1-9339-98FF9EE6896E}" type="datetimeFigureOut">
               <a:rPr lang="fr-FR" smtClean="0"/>
-              <a:t>06/05/2021</a:t>
+              <a:t>07/05/2021</a:t>
             </a:fld>
             <a:endParaRPr lang="fr-FR"/>
           </a:p>
@@ -3426,7 +3436,14 @@
           <a:p>
             <a:r>
               <a:rPr lang="fr-FR" dirty="0"/>
-              <a:t>Exploration des textes long</a:t>
+              <a:t>Exploration des textes longs </a:t>
+            </a:r>
+            <a:br>
+              <a:rPr lang="fr-FR" dirty="0"/>
+            </a:br>
+            <a:r>
+              <a:rPr lang="fr-FR" dirty="0"/>
+              <a:t>entre 1990 et 2021</a:t>
             </a:r>
           </a:p>
         </p:txBody>
@@ -3447,13 +3464,13 @@
             <p:ph idx="1"/>
             <p:extLst>
               <p:ext uri="{D42A27DB-BD31-4B8C-83A1-F6EECF244321}">
-                <p14:modId xmlns:p14="http://schemas.microsoft.com/office/powerpoint/2010/main" val="1303420912"/>
+                <p14:modId xmlns:p14="http://schemas.microsoft.com/office/powerpoint/2010/main" val="2947181352"/>
               </p:ext>
             </p:extLst>
           </p:nvPr>
         </p:nvGraphicFramePr>
         <p:xfrm>
-          <a:off x="838200" y="2287263"/>
+          <a:off x="838200" y="4282318"/>
           <a:ext cx="10515600" cy="1920240"/>
         </p:xfrm>
         <a:graphic>
@@ -3705,20 +3722,20 @@
                     <a:p>
                       <a:r>
                         <a:rPr lang="fr-FR" dirty="0"/>
+                        <a:t>0 (1 -2) </a:t>
+                      </a:r>
+                    </a:p>
+                  </a:txBody>
+                  <a:tcPr/>
+                </a:tc>
+                <a:tc>
+                  <a:txBody>
+                    <a:bodyPr/>
+                    <a:lstStyle/>
+                    <a:p>
+                      <a:r>
+                        <a:rPr lang="fr-FR" dirty="0"/>
                         <a:t>0 (0 – 1)</a:t>
-                      </a:r>
-                    </a:p>
-                  </a:txBody>
-                  <a:tcPr/>
-                </a:tc>
-                <a:tc>
-                  <a:txBody>
-                    <a:bodyPr/>
-                    <a:lstStyle/>
-                    <a:p>
-                      <a:r>
-                        <a:rPr lang="fr-FR" dirty="0"/>
-                        <a:t>0 (1 -2)</a:t>
                       </a:r>
                     </a:p>
                   </a:txBody>
@@ -3772,6 +3789,249 @@
                 <a:extLst>
                   <a:ext uri="{0D108BD9-81ED-4DB2-BD59-A6C34878D82A}">
                     <a16:rowId xmlns:a16="http://schemas.microsoft.com/office/drawing/2014/main" val="3450236186"/>
+                  </a:ext>
+                </a:extLst>
+              </a:tr>
+            </a:tbl>
+          </a:graphicData>
+        </a:graphic>
+      </p:graphicFrame>
+      <p:graphicFrame>
+        <p:nvGraphicFramePr>
+          <p:cNvPr id="3" name="Tableau 4">
+            <a:extLst>
+              <a:ext uri="{FF2B5EF4-FFF2-40B4-BE49-F238E27FC236}">
+                <a16:creationId xmlns:a16="http://schemas.microsoft.com/office/drawing/2014/main" id="{4DF53E19-6A5C-4072-AD93-42DF0B29E49B}"/>
+              </a:ext>
+            </a:extLst>
+          </p:cNvPr>
+          <p:cNvGraphicFramePr>
+            <a:graphicFrameLocks noGrp="1"/>
+          </p:cNvGraphicFramePr>
+          <p:nvPr>
+            <p:extLst>
+              <p:ext uri="{D42A27DB-BD31-4B8C-83A1-F6EECF244321}">
+                <p14:modId xmlns:p14="http://schemas.microsoft.com/office/powerpoint/2010/main" val="1635096855"/>
+              </p:ext>
+            </p:extLst>
+          </p:nvPr>
+        </p:nvGraphicFramePr>
+        <p:xfrm>
+          <a:off x="1283855" y="2316480"/>
+          <a:ext cx="8128000" cy="1381760"/>
+        </p:xfrm>
+        <a:graphic>
+          <a:graphicData uri="http://schemas.openxmlformats.org/drawingml/2006/table">
+            <a:tbl>
+              <a:tblPr firstRow="1" bandRow="1">
+                <a:tableStyleId>{5C22544A-7EE6-4342-B048-85BDC9FD1C3A}</a:tableStyleId>
+              </a:tblPr>
+              <a:tblGrid>
+                <a:gridCol w="2032000">
+                  <a:extLst>
+                    <a:ext uri="{9D8B030D-6E8A-4147-A177-3AD203B41FA5}">
+                      <a16:colId xmlns:a16="http://schemas.microsoft.com/office/drawing/2014/main" val="2468600965"/>
+                    </a:ext>
+                  </a:extLst>
+                </a:gridCol>
+                <a:gridCol w="2032000">
+                  <a:extLst>
+                    <a:ext uri="{9D8B030D-6E8A-4147-A177-3AD203B41FA5}">
+                      <a16:colId xmlns:a16="http://schemas.microsoft.com/office/drawing/2014/main" val="567127336"/>
+                    </a:ext>
+                  </a:extLst>
+                </a:gridCol>
+                <a:gridCol w="2032000">
+                  <a:extLst>
+                    <a:ext uri="{9D8B030D-6E8A-4147-A177-3AD203B41FA5}">
+                      <a16:colId xmlns:a16="http://schemas.microsoft.com/office/drawing/2014/main" val="1924053445"/>
+                    </a:ext>
+                  </a:extLst>
+                </a:gridCol>
+                <a:gridCol w="2032000">
+                  <a:extLst>
+                    <a:ext uri="{9D8B030D-6E8A-4147-A177-3AD203B41FA5}">
+                      <a16:colId xmlns:a16="http://schemas.microsoft.com/office/drawing/2014/main" val="1097407440"/>
+                    </a:ext>
+                  </a:extLst>
+                </a:gridCol>
+              </a:tblGrid>
+              <a:tr h="370840">
+                <a:tc>
+                  <a:txBody>
+                    <a:bodyPr/>
+                    <a:lstStyle/>
+                    <a:p>
+                      <a:endParaRPr lang="fr-FR"/>
+                    </a:p>
+                  </a:txBody>
+                  <a:tcPr/>
+                </a:tc>
+                <a:tc>
+                  <a:txBody>
+                    <a:bodyPr/>
+                    <a:lstStyle/>
+                    <a:p>
+                      <a:r>
+                        <a:rPr lang="fr-FR" dirty="0"/>
+                        <a:t>Expression régulière</a:t>
+                      </a:r>
+                    </a:p>
+                  </a:txBody>
+                  <a:tcPr/>
+                </a:tc>
+                <a:tc>
+                  <a:txBody>
+                    <a:bodyPr/>
+                    <a:lstStyle/>
+                    <a:p>
+                      <a:r>
+                        <a:rPr lang="fr-FR" dirty="0"/>
+                        <a:t>NLP</a:t>
+                      </a:r>
+                    </a:p>
+                  </a:txBody>
+                  <a:tcPr/>
+                </a:tc>
+                <a:tc>
+                  <a:txBody>
+                    <a:bodyPr/>
+                    <a:lstStyle/>
+                    <a:p>
+                      <a:r>
+                        <a:rPr lang="fr-FR" dirty="0"/>
+                        <a:t>Code </a:t>
+                      </a:r>
+                      <a:r>
+                        <a:rPr lang="fr-FR" dirty="0" err="1"/>
+                        <a:t>Cim</a:t>
+                      </a:r>
+                      <a:endParaRPr lang="fr-FR" dirty="0"/>
+                    </a:p>
+                  </a:txBody>
+                  <a:tcPr/>
+                </a:tc>
+                <a:extLst>
+                  <a:ext uri="{0D108BD9-81ED-4DB2-BD59-A6C34878D82A}">
+                    <a16:rowId xmlns:a16="http://schemas.microsoft.com/office/drawing/2014/main" val="3978931672"/>
+                  </a:ext>
+                </a:extLst>
+              </a:tr>
+              <a:tr h="370840">
+                <a:tc>
+                  <a:txBody>
+                    <a:bodyPr/>
+                    <a:lstStyle/>
+                    <a:p>
+                      <a:r>
+                        <a:rPr lang="fr-FR" dirty="0"/>
+                        <a:t>Séjour </a:t>
+                      </a:r>
+                    </a:p>
+                  </a:txBody>
+                  <a:tcPr/>
+                </a:tc>
+                <a:tc>
+                  <a:txBody>
+                    <a:bodyPr/>
+                    <a:lstStyle/>
+                    <a:p>
+                      <a:r>
+                        <a:rPr lang="fr-FR" dirty="0"/>
+                        <a:t>5040</a:t>
+                      </a:r>
+                    </a:p>
+                  </a:txBody>
+                  <a:tcPr/>
+                </a:tc>
+                <a:tc>
+                  <a:txBody>
+                    <a:bodyPr/>
+                    <a:lstStyle/>
+                    <a:p>
+                      <a:r>
+                        <a:rPr lang="fr-FR" dirty="0"/>
+                        <a:t>1485</a:t>
+                      </a:r>
+                    </a:p>
+                  </a:txBody>
+                  <a:tcPr/>
+                </a:tc>
+                <a:tc>
+                  <a:txBody>
+                    <a:bodyPr/>
+                    <a:lstStyle/>
+                    <a:p>
+                      <a:r>
+                        <a:rPr lang="fr-FR" dirty="0"/>
+                        <a:t>31548</a:t>
+                      </a:r>
+                    </a:p>
+                  </a:txBody>
+                  <a:tcPr/>
+                </a:tc>
+                <a:extLst>
+                  <a:ext uri="{0D108BD9-81ED-4DB2-BD59-A6C34878D82A}">
+                    <a16:rowId xmlns:a16="http://schemas.microsoft.com/office/drawing/2014/main" val="1458601103"/>
+                  </a:ext>
+                </a:extLst>
+              </a:tr>
+              <a:tr h="370840">
+                <a:tc>
+                  <a:txBody>
+                    <a:bodyPr/>
+                    <a:lstStyle/>
+                    <a:p>
+                      <a:r>
+                        <a:rPr lang="fr-FR" dirty="0"/>
+                        <a:t>Patient</a:t>
+                      </a:r>
+                    </a:p>
+                  </a:txBody>
+                  <a:tcPr/>
+                </a:tc>
+                <a:tc>
+                  <a:txBody>
+                    <a:bodyPr/>
+                    <a:lstStyle/>
+                    <a:p>
+                      <a:r>
+                        <a:rPr lang="fr-FR" dirty="0"/>
+                        <a:t>1700</a:t>
+                      </a:r>
+                    </a:p>
+                  </a:txBody>
+                  <a:tcPr/>
+                </a:tc>
+                <a:tc>
+                  <a:txBody>
+                    <a:bodyPr/>
+                    <a:lstStyle/>
+                    <a:p>
+                      <a:r>
+                        <a:rPr lang="fr-FR" dirty="0"/>
+                        <a:t>971</a:t>
+                      </a:r>
+                    </a:p>
+                  </a:txBody>
+                  <a:tcPr/>
+                </a:tc>
+                <a:tc>
+                  <a:txBody>
+                    <a:bodyPr/>
+                    <a:lstStyle/>
+                    <a:p>
+                      <a:r>
+                        <a:rPr lang="fr-FR" dirty="0"/>
+                        <a:t>4941</a:t>
+                      </a:r>
+                    </a:p>
+                  </a:txBody>
+                  <a:tcPr/>
+                </a:tc>
+                <a:extLst>
+                  <a:ext uri="{0D108BD9-81ED-4DB2-BD59-A6C34878D82A}">
+                    <a16:rowId xmlns:a16="http://schemas.microsoft.com/office/drawing/2014/main" val="162517416"/>
                   </a:ext>
                 </a:extLst>
               </a:tr>
@@ -3793,6 +4053,654 @@
 </file>
 
 <file path=ppt/slides/slide3.xml><?xml version="1.0" encoding="utf-8"?>
+<p:sld xmlns:a="http://schemas.openxmlformats.org/drawingml/2006/main" xmlns:r="http://schemas.openxmlformats.org/officeDocument/2006/relationships" xmlns:p="http://schemas.openxmlformats.org/presentationml/2006/main">
+  <p:cSld>
+    <p:spTree>
+      <p:nvGrpSpPr>
+        <p:cNvPr id="1" name=""/>
+        <p:cNvGrpSpPr/>
+        <p:nvPr/>
+      </p:nvGrpSpPr>
+      <p:grpSpPr>
+        <a:xfrm>
+          <a:off x="0" y="0"/>
+          <a:ext cx="0" cy="0"/>
+          <a:chOff x="0" y="0"/>
+          <a:chExt cx="0" cy="0"/>
+        </a:xfrm>
+      </p:grpSpPr>
+      <p:sp>
+        <p:nvSpPr>
+          <p:cNvPr id="7" name="Titre 6">
+            <a:extLst>
+              <a:ext uri="{FF2B5EF4-FFF2-40B4-BE49-F238E27FC236}">
+                <a16:creationId xmlns:a16="http://schemas.microsoft.com/office/drawing/2014/main" id="{48382546-BC61-4BFA-8CCB-3B4F08A7BDFF}"/>
+              </a:ext>
+            </a:extLst>
+          </p:cNvPr>
+          <p:cNvSpPr>
+            <a:spLocks noGrp="1"/>
+          </p:cNvSpPr>
+          <p:nvPr>
+            <p:ph type="title"/>
+          </p:nvPr>
+        </p:nvSpPr>
+        <p:spPr/>
+        <p:txBody>
+          <a:bodyPr/>
+          <a:lstStyle/>
+          <a:p>
+            <a:r>
+              <a:rPr lang="fr-FR" dirty="0"/>
+              <a:t>Exploration des textes longs </a:t>
+            </a:r>
+            <a:br>
+              <a:rPr lang="fr-FR" dirty="0"/>
+            </a:br>
+            <a:r>
+              <a:rPr lang="fr-FR" dirty="0"/>
+              <a:t>entre 1990 et 2021</a:t>
+            </a:r>
+          </a:p>
+        </p:txBody>
+      </p:sp>
+      <p:sp>
+        <p:nvSpPr>
+          <p:cNvPr id="8" name="Espace réservé du texte 7">
+            <a:extLst>
+              <a:ext uri="{FF2B5EF4-FFF2-40B4-BE49-F238E27FC236}">
+                <a16:creationId xmlns:a16="http://schemas.microsoft.com/office/drawing/2014/main" id="{129641E5-8D3E-4552-B573-C5AEDF381912}"/>
+              </a:ext>
+            </a:extLst>
+          </p:cNvPr>
+          <p:cNvSpPr>
+            <a:spLocks noGrp="1"/>
+          </p:cNvSpPr>
+          <p:nvPr>
+            <p:ph type="body" idx="1"/>
+          </p:nvPr>
+        </p:nvSpPr>
+        <p:spPr/>
+        <p:txBody>
+          <a:bodyPr/>
+          <a:lstStyle/>
+          <a:p>
+            <a:r>
+              <a:rPr lang="fr-FR" dirty="0"/>
+              <a:t>Niveau Patient</a:t>
+            </a:r>
+          </a:p>
+        </p:txBody>
+      </p:sp>
+      <p:sp>
+        <p:nvSpPr>
+          <p:cNvPr id="10" name="Espace réservé du texte 9">
+            <a:extLst>
+              <a:ext uri="{FF2B5EF4-FFF2-40B4-BE49-F238E27FC236}">
+                <a16:creationId xmlns:a16="http://schemas.microsoft.com/office/drawing/2014/main" id="{583007AC-439C-4725-B892-96F5ADE26E7D}"/>
+              </a:ext>
+            </a:extLst>
+          </p:cNvPr>
+          <p:cNvSpPr>
+            <a:spLocks noGrp="1"/>
+          </p:cNvSpPr>
+          <p:nvPr>
+            <p:ph type="body" sz="quarter" idx="3"/>
+          </p:nvPr>
+        </p:nvSpPr>
+        <p:spPr/>
+        <p:txBody>
+          <a:bodyPr/>
+          <a:lstStyle/>
+          <a:p>
+            <a:r>
+              <a:rPr lang="fr-FR" dirty="0"/>
+              <a:t>Niveau séjour</a:t>
+            </a:r>
+          </a:p>
+        </p:txBody>
+      </p:sp>
+      <p:sp>
+        <p:nvSpPr>
+          <p:cNvPr id="11" name="Espace réservé du contenu 10">
+            <a:extLst>
+              <a:ext uri="{FF2B5EF4-FFF2-40B4-BE49-F238E27FC236}">
+                <a16:creationId xmlns:a16="http://schemas.microsoft.com/office/drawing/2014/main" id="{F57B2CCD-5F42-4D7C-B914-ACC00B4B44DF}"/>
+              </a:ext>
+            </a:extLst>
+          </p:cNvPr>
+          <p:cNvSpPr>
+            <a:spLocks noGrp="1"/>
+          </p:cNvSpPr>
+          <p:nvPr>
+            <p:ph sz="quarter" idx="4"/>
+          </p:nvPr>
+        </p:nvSpPr>
+        <p:spPr/>
+        <p:txBody>
+          <a:bodyPr/>
+          <a:lstStyle/>
+          <a:p>
+            <a:endParaRPr lang="fr-FR" sz="1800" b="0" i="0" u="none" strike="noStrike" dirty="0">
+              <a:effectLst/>
+              <a:latin typeface="Arial" panose="020B0604020202020204" pitchFamily="34" charset="0"/>
+            </a:endParaRPr>
+          </a:p>
+          <a:p>
+            <a:endParaRPr lang="fr-FR" dirty="0"/>
+          </a:p>
+        </p:txBody>
+      </p:sp>
+      <p:graphicFrame>
+        <p:nvGraphicFramePr>
+          <p:cNvPr id="13" name="Tableau 12">
+            <a:extLst>
+              <a:ext uri="{FF2B5EF4-FFF2-40B4-BE49-F238E27FC236}">
+                <a16:creationId xmlns:a16="http://schemas.microsoft.com/office/drawing/2014/main" id="{6267977B-0FDB-4E48-889A-C76E4742555C}"/>
+              </a:ext>
+            </a:extLst>
+          </p:cNvPr>
+          <p:cNvGraphicFramePr>
+            <a:graphicFrameLocks/>
+          </p:cNvGraphicFramePr>
+          <p:nvPr>
+            <p:extLst>
+              <p:ext uri="{D42A27DB-BD31-4B8C-83A1-F6EECF244321}">
+                <p14:modId xmlns:p14="http://schemas.microsoft.com/office/powerpoint/2010/main" val="1848401218"/>
+              </p:ext>
+            </p:extLst>
+          </p:nvPr>
+        </p:nvGraphicFramePr>
+        <p:xfrm>
+          <a:off x="6194428" y="2505075"/>
+          <a:ext cx="3868338" cy="2021840"/>
+        </p:xfrm>
+        <a:graphic>
+          <a:graphicData uri="http://schemas.openxmlformats.org/drawingml/2006/table">
+            <a:tbl>
+              <a:tblPr firstRow="1" firstCol="1" bandRow="1">
+                <a:tableStyleId>{5C22544A-7EE6-4342-B048-85BDC9FD1C3A}</a:tableStyleId>
+              </a:tblPr>
+              <a:tblGrid>
+                <a:gridCol w="1601063">
+                  <a:extLst>
+                    <a:ext uri="{9D8B030D-6E8A-4147-A177-3AD203B41FA5}">
+                      <a16:colId xmlns:a16="http://schemas.microsoft.com/office/drawing/2014/main" val="4137883564"/>
+                    </a:ext>
+                  </a:extLst>
+                </a:gridCol>
+                <a:gridCol w="977829">
+                  <a:extLst>
+                    <a:ext uri="{9D8B030D-6E8A-4147-A177-3AD203B41FA5}">
+                      <a16:colId xmlns:a16="http://schemas.microsoft.com/office/drawing/2014/main" val="2619173983"/>
+                    </a:ext>
+                  </a:extLst>
+                </a:gridCol>
+                <a:gridCol w="1289446">
+                  <a:extLst>
+                    <a:ext uri="{9D8B030D-6E8A-4147-A177-3AD203B41FA5}">
+                      <a16:colId xmlns:a16="http://schemas.microsoft.com/office/drawing/2014/main" val="2493064270"/>
+                    </a:ext>
+                  </a:extLst>
+                </a:gridCol>
+              </a:tblGrid>
+              <a:tr h="370840">
+                <a:tc>
+                  <a:txBody>
+                    <a:bodyPr/>
+                    <a:lstStyle/>
+                    <a:p>
+                      <a:endParaRPr lang="fr-FR" dirty="0"/>
+                    </a:p>
+                  </a:txBody>
+                  <a:tcPr>
+                    <a:lnL w="12700" cmpd="sng">
+                      <a:noFill/>
+                    </a:lnL>
+                  </a:tcPr>
+                </a:tc>
+                <a:tc>
+                  <a:txBody>
+                    <a:bodyPr/>
+                    <a:lstStyle/>
+                    <a:p>
+                      <a:r>
+                        <a:rPr lang="fr-FR" dirty="0"/>
+                        <a:t>CIM-10 +</a:t>
+                      </a:r>
+                    </a:p>
+                  </a:txBody>
+                  <a:tcPr/>
+                </a:tc>
+                <a:tc>
+                  <a:txBody>
+                    <a:bodyPr/>
+                    <a:lstStyle/>
+                    <a:p>
+                      <a:r>
+                        <a:rPr lang="fr-FR" dirty="0"/>
+                        <a:t>CIM-10 -</a:t>
+                      </a:r>
+                    </a:p>
+                  </a:txBody>
+                  <a:tcPr/>
+                </a:tc>
+                <a:extLst>
+                  <a:ext uri="{0D108BD9-81ED-4DB2-BD59-A6C34878D82A}">
+                    <a16:rowId xmlns:a16="http://schemas.microsoft.com/office/drawing/2014/main" val="2268288374"/>
+                  </a:ext>
+                </a:extLst>
+              </a:tr>
+              <a:tr h="370840">
+                <a:tc>
+                  <a:txBody>
+                    <a:bodyPr/>
+                    <a:lstStyle/>
+                    <a:p>
+                      <a:r>
+                        <a:rPr lang="fr-FR" dirty="0"/>
+                        <a:t>Regex seul</a:t>
+                      </a:r>
+                    </a:p>
+                  </a:txBody>
+                  <a:tcPr/>
+                </a:tc>
+                <a:tc>
+                  <a:txBody>
+                    <a:bodyPr/>
+                    <a:lstStyle/>
+                    <a:p>
+                      <a:r>
+                        <a:rPr lang="fr-FR" dirty="0"/>
+                        <a:t>944</a:t>
+                      </a:r>
+                    </a:p>
+                  </a:txBody>
+                  <a:tcPr/>
+                </a:tc>
+                <a:tc>
+                  <a:txBody>
+                    <a:bodyPr/>
+                    <a:lstStyle/>
+                    <a:p>
+                      <a:r>
+                        <a:rPr lang="fr-FR" dirty="0"/>
+                        <a:t>2611</a:t>
+                      </a:r>
+                    </a:p>
+                  </a:txBody>
+                  <a:tcPr/>
+                </a:tc>
+                <a:extLst>
+                  <a:ext uri="{0D108BD9-81ED-4DB2-BD59-A6C34878D82A}">
+                    <a16:rowId xmlns:a16="http://schemas.microsoft.com/office/drawing/2014/main" val="239322751"/>
+                  </a:ext>
+                </a:extLst>
+              </a:tr>
+              <a:tr h="370840">
+                <a:tc>
+                  <a:txBody>
+                    <a:bodyPr/>
+                    <a:lstStyle/>
+                    <a:p>
+                      <a:r>
+                        <a:rPr lang="fr-FR" dirty="0" err="1"/>
+                        <a:t>Regex+context</a:t>
+                      </a:r>
+                      <a:endParaRPr lang="fr-FR" dirty="0"/>
+                    </a:p>
+                  </a:txBody>
+                  <a:tcPr/>
+                </a:tc>
+                <a:tc>
+                  <a:txBody>
+                    <a:bodyPr/>
+                    <a:lstStyle/>
+                    <a:p>
+                      <a:r>
+                        <a:rPr lang="fr-FR" dirty="0"/>
+                        <a:t>708</a:t>
+                      </a:r>
+                    </a:p>
+                  </a:txBody>
+                  <a:tcPr/>
+                </a:tc>
+                <a:tc>
+                  <a:txBody>
+                    <a:bodyPr/>
+                    <a:lstStyle/>
+                    <a:p>
+                      <a:r>
+                        <a:rPr lang="fr-FR" dirty="0"/>
+                        <a:t>777</a:t>
+                      </a:r>
+                    </a:p>
+                  </a:txBody>
+                  <a:tcPr/>
+                </a:tc>
+                <a:extLst>
+                  <a:ext uri="{0D108BD9-81ED-4DB2-BD59-A6C34878D82A}">
+                    <a16:rowId xmlns:a16="http://schemas.microsoft.com/office/drawing/2014/main" val="1721530847"/>
+                  </a:ext>
+                </a:extLst>
+              </a:tr>
+              <a:tr h="370840">
+                <a:tc>
+                  <a:txBody>
+                    <a:bodyPr/>
+                    <a:lstStyle/>
+                    <a:p>
+                      <a:r>
+                        <a:rPr lang="fr-FR" dirty="0"/>
+                        <a:t>Pas de notion </a:t>
+                      </a:r>
+                      <a:r>
+                        <a:rPr lang="fr-FR" dirty="0" err="1"/>
+                        <a:t>nlp</a:t>
+                      </a:r>
+                      <a:endParaRPr lang="fr-FR" dirty="0"/>
+                    </a:p>
+                  </a:txBody>
+                  <a:tcPr/>
+                </a:tc>
+                <a:tc>
+                  <a:txBody>
+                    <a:bodyPr/>
+                    <a:lstStyle/>
+                    <a:p>
+                      <a:r>
+                        <a:rPr lang="fr-FR" dirty="0"/>
+                        <a:t>2986</a:t>
+                      </a:r>
+                    </a:p>
+                  </a:txBody>
+                  <a:tcPr/>
+                </a:tc>
+                <a:tc>
+                  <a:txBody>
+                    <a:bodyPr/>
+                    <a:lstStyle/>
+                    <a:p>
+                      <a:r>
+                        <a:rPr lang="fr-FR" dirty="0"/>
+                        <a:t>179369</a:t>
+                      </a:r>
+                    </a:p>
+                  </a:txBody>
+                  <a:tcPr/>
+                </a:tc>
+                <a:extLst>
+                  <a:ext uri="{0D108BD9-81ED-4DB2-BD59-A6C34878D82A}">
+                    <a16:rowId xmlns:a16="http://schemas.microsoft.com/office/drawing/2014/main" val="3507179002"/>
+                  </a:ext>
+                </a:extLst>
+              </a:tr>
+            </a:tbl>
+          </a:graphicData>
+        </a:graphic>
+      </p:graphicFrame>
+      <p:graphicFrame>
+        <p:nvGraphicFramePr>
+          <p:cNvPr id="14" name="Tableau 13">
+            <a:extLst>
+              <a:ext uri="{FF2B5EF4-FFF2-40B4-BE49-F238E27FC236}">
+                <a16:creationId xmlns:a16="http://schemas.microsoft.com/office/drawing/2014/main" id="{B90C2945-7C79-4F58-B063-4E62063A3786}"/>
+              </a:ext>
+            </a:extLst>
+          </p:cNvPr>
+          <p:cNvGraphicFramePr>
+            <a:graphicFrameLocks noGrp="1"/>
+          </p:cNvGraphicFramePr>
+          <p:nvPr>
+            <p:extLst>
+              <p:ext uri="{D42A27DB-BD31-4B8C-83A1-F6EECF244321}">
+                <p14:modId xmlns:p14="http://schemas.microsoft.com/office/powerpoint/2010/main" val="4079665443"/>
+              </p:ext>
+            </p:extLst>
+          </p:nvPr>
+        </p:nvGraphicFramePr>
+        <p:xfrm>
+          <a:off x="719716" y="2505075"/>
+          <a:ext cx="3868338" cy="2021840"/>
+        </p:xfrm>
+        <a:graphic>
+          <a:graphicData uri="http://schemas.openxmlformats.org/drawingml/2006/table">
+            <a:tbl>
+              <a:tblPr firstRow="1" firstCol="1" bandRow="1">
+                <a:tableStyleId>{5C22544A-7EE6-4342-B048-85BDC9FD1C3A}</a:tableStyleId>
+              </a:tblPr>
+              <a:tblGrid>
+                <a:gridCol w="1601063">
+                  <a:extLst>
+                    <a:ext uri="{9D8B030D-6E8A-4147-A177-3AD203B41FA5}">
+                      <a16:colId xmlns:a16="http://schemas.microsoft.com/office/drawing/2014/main" val="3960064089"/>
+                    </a:ext>
+                  </a:extLst>
+                </a:gridCol>
+                <a:gridCol w="977829">
+                  <a:extLst>
+                    <a:ext uri="{9D8B030D-6E8A-4147-A177-3AD203B41FA5}">
+                      <a16:colId xmlns:a16="http://schemas.microsoft.com/office/drawing/2014/main" val="1564665977"/>
+                    </a:ext>
+                  </a:extLst>
+                </a:gridCol>
+                <a:gridCol w="1289446">
+                  <a:extLst>
+                    <a:ext uri="{9D8B030D-6E8A-4147-A177-3AD203B41FA5}">
+                      <a16:colId xmlns:a16="http://schemas.microsoft.com/office/drawing/2014/main" val="2022242874"/>
+                    </a:ext>
+                  </a:extLst>
+                </a:gridCol>
+              </a:tblGrid>
+              <a:tr h="370840">
+                <a:tc>
+                  <a:txBody>
+                    <a:bodyPr/>
+                    <a:lstStyle/>
+                    <a:p>
+                      <a:endParaRPr lang="fr-FR" dirty="0"/>
+                    </a:p>
+                  </a:txBody>
+                  <a:tcPr>
+                    <a:lnL w="12700" cmpd="sng">
+                      <a:noFill/>
+                    </a:lnL>
+                  </a:tcPr>
+                </a:tc>
+                <a:tc>
+                  <a:txBody>
+                    <a:bodyPr/>
+                    <a:lstStyle/>
+                    <a:p>
+                      <a:r>
+                        <a:rPr lang="fr-FR" dirty="0"/>
+                        <a:t>CIM-10 +</a:t>
+                      </a:r>
+                    </a:p>
+                  </a:txBody>
+                  <a:tcPr/>
+                </a:tc>
+                <a:tc>
+                  <a:txBody>
+                    <a:bodyPr/>
+                    <a:lstStyle/>
+                    <a:p>
+                      <a:r>
+                        <a:rPr lang="fr-FR" dirty="0"/>
+                        <a:t>CIM-10 -</a:t>
+                      </a:r>
+                    </a:p>
+                  </a:txBody>
+                  <a:tcPr/>
+                </a:tc>
+                <a:extLst>
+                  <a:ext uri="{0D108BD9-81ED-4DB2-BD59-A6C34878D82A}">
+                    <a16:rowId xmlns:a16="http://schemas.microsoft.com/office/drawing/2014/main" val="870525330"/>
+                  </a:ext>
+                </a:extLst>
+              </a:tr>
+              <a:tr h="370840">
+                <a:tc>
+                  <a:txBody>
+                    <a:bodyPr/>
+                    <a:lstStyle/>
+                    <a:p>
+                      <a:r>
+                        <a:rPr lang="fr-FR" dirty="0"/>
+                        <a:t>Regex seul</a:t>
+                      </a:r>
+                    </a:p>
+                  </a:txBody>
+                  <a:tcPr/>
+                </a:tc>
+                <a:tc>
+                  <a:txBody>
+                    <a:bodyPr/>
+                    <a:lstStyle/>
+                    <a:p>
+                      <a:r>
+                        <a:rPr lang="fr-FR" dirty="0"/>
+                        <a:t>273</a:t>
+                      </a:r>
+                    </a:p>
+                  </a:txBody>
+                  <a:tcPr/>
+                </a:tc>
+                <a:tc>
+                  <a:txBody>
+                    <a:bodyPr/>
+                    <a:lstStyle/>
+                    <a:p>
+                      <a:r>
+                        <a:rPr lang="fr-FR" dirty="0"/>
+                        <a:t>730</a:t>
+                      </a:r>
+                    </a:p>
+                  </a:txBody>
+                  <a:tcPr/>
+                </a:tc>
+                <a:extLst>
+                  <a:ext uri="{0D108BD9-81ED-4DB2-BD59-A6C34878D82A}">
+                    <a16:rowId xmlns:a16="http://schemas.microsoft.com/office/drawing/2014/main" val="2909571024"/>
+                  </a:ext>
+                </a:extLst>
+              </a:tr>
+              <a:tr h="370840">
+                <a:tc>
+                  <a:txBody>
+                    <a:bodyPr/>
+                    <a:lstStyle/>
+                    <a:p>
+                      <a:r>
+                        <a:rPr lang="fr-FR" dirty="0" err="1"/>
+                        <a:t>Regex+context</a:t>
+                      </a:r>
+                      <a:endParaRPr lang="fr-FR" dirty="0"/>
+                    </a:p>
+                  </a:txBody>
+                  <a:tcPr/>
+                </a:tc>
+                <a:tc>
+                  <a:txBody>
+                    <a:bodyPr/>
+                    <a:lstStyle/>
+                    <a:p>
+                      <a:r>
+                        <a:rPr lang="fr-FR" dirty="0"/>
+                        <a:t>697</a:t>
+                      </a:r>
+                    </a:p>
+                  </a:txBody>
+                  <a:tcPr/>
+                </a:tc>
+                <a:tc>
+                  <a:txBody>
+                    <a:bodyPr/>
+                    <a:lstStyle/>
+                    <a:p>
+                      <a:r>
+                        <a:rPr lang="fr-FR" dirty="0"/>
+                        <a:t>274</a:t>
+                      </a:r>
+                    </a:p>
+                  </a:txBody>
+                  <a:tcPr/>
+                </a:tc>
+                <a:extLst>
+                  <a:ext uri="{0D108BD9-81ED-4DB2-BD59-A6C34878D82A}">
+                    <a16:rowId xmlns:a16="http://schemas.microsoft.com/office/drawing/2014/main" val="227472694"/>
+                  </a:ext>
+                </a:extLst>
+              </a:tr>
+              <a:tr h="370840">
+                <a:tc>
+                  <a:txBody>
+                    <a:bodyPr/>
+                    <a:lstStyle/>
+                    <a:p>
+                      <a:r>
+                        <a:rPr lang="fr-FR" dirty="0"/>
+                        <a:t>Pas de notion </a:t>
+                      </a:r>
+                      <a:r>
+                        <a:rPr lang="fr-FR" dirty="0" err="1"/>
+                        <a:t>nlp</a:t>
+                      </a:r>
+                      <a:endParaRPr lang="fr-FR" dirty="0"/>
+                    </a:p>
+                  </a:txBody>
+                  <a:tcPr/>
+                </a:tc>
+                <a:tc>
+                  <a:txBody>
+                    <a:bodyPr/>
+                    <a:lstStyle/>
+                    <a:p>
+                      <a:r>
+                        <a:rPr lang="fr-FR" dirty="0"/>
+                        <a:t>210</a:t>
+                      </a:r>
+                    </a:p>
+                  </a:txBody>
+                  <a:tcPr/>
+                </a:tc>
+                <a:tc>
+                  <a:txBody>
+                    <a:bodyPr/>
+                    <a:lstStyle/>
+                    <a:p>
+                      <a:r>
+                        <a:rPr lang="fr-FR" dirty="0"/>
+                        <a:t>3971</a:t>
+                      </a:r>
+                    </a:p>
+                  </a:txBody>
+                  <a:tcPr/>
+                </a:tc>
+                <a:extLst>
+                  <a:ext uri="{0D108BD9-81ED-4DB2-BD59-A6C34878D82A}">
+                    <a16:rowId xmlns:a16="http://schemas.microsoft.com/office/drawing/2014/main" val="2966533988"/>
+                  </a:ext>
+                </a:extLst>
+              </a:tr>
+            </a:tbl>
+          </a:graphicData>
+        </a:graphic>
+      </p:graphicFrame>
+    </p:spTree>
+    <p:extLst>
+      <p:ext uri="{BB962C8B-B14F-4D97-AF65-F5344CB8AC3E}">
+        <p14:creationId xmlns:p14="http://schemas.microsoft.com/office/powerpoint/2010/main" val="3598563032"/>
+      </p:ext>
+    </p:extLst>
+  </p:cSld>
+  <p:clrMapOvr>
+    <a:masterClrMapping/>
+  </p:clrMapOvr>
+</p:sld>
+</file>
+
+<file path=ppt/slides/slide4.xml><?xml version="1.0" encoding="utf-8"?>
 <p:sld xmlns:a="http://schemas.openxmlformats.org/drawingml/2006/main" xmlns:r="http://schemas.openxmlformats.org/officeDocument/2006/relationships" xmlns:p="http://schemas.openxmlformats.org/presentationml/2006/main">
   <p:cSld>
     <p:bg>
@@ -4015,6 +4923,1875 @@
     <p:extLst>
       <p:ext uri="{BB962C8B-B14F-4D97-AF65-F5344CB8AC3E}">
         <p14:creationId xmlns:p14="http://schemas.microsoft.com/office/powerpoint/2010/main" val="2024959330"/>
+      </p:ext>
+    </p:extLst>
+  </p:cSld>
+  <p:clrMapOvr>
+    <a:masterClrMapping/>
+  </p:clrMapOvr>
+</p:sld>
+</file>
+
+<file path=ppt/slides/slide5.xml><?xml version="1.0" encoding="utf-8"?>
+<p:sld xmlns:a="http://schemas.openxmlformats.org/drawingml/2006/main" xmlns:r="http://schemas.openxmlformats.org/officeDocument/2006/relationships" xmlns:p="http://schemas.openxmlformats.org/presentationml/2006/main">
+  <p:cSld>
+    <p:spTree>
+      <p:nvGrpSpPr>
+        <p:cNvPr id="1" name=""/>
+        <p:cNvGrpSpPr/>
+        <p:nvPr/>
+      </p:nvGrpSpPr>
+      <p:grpSpPr>
+        <a:xfrm>
+          <a:off x="0" y="0"/>
+          <a:ext cx="0" cy="0"/>
+          <a:chOff x="0" y="0"/>
+          <a:chExt cx="0" cy="0"/>
+        </a:xfrm>
+      </p:grpSpPr>
+      <p:sp>
+        <p:nvSpPr>
+          <p:cNvPr id="3" name="Espace réservé du contenu 2">
+            <a:extLst>
+              <a:ext uri="{FF2B5EF4-FFF2-40B4-BE49-F238E27FC236}">
+                <a16:creationId xmlns:a16="http://schemas.microsoft.com/office/drawing/2014/main" id="{7119E879-3C7C-474F-86F2-002F2493CE22}"/>
+              </a:ext>
+            </a:extLst>
+          </p:cNvPr>
+          <p:cNvSpPr>
+            <a:spLocks noGrp="1"/>
+          </p:cNvSpPr>
+          <p:nvPr>
+            <p:ph idx="1"/>
+          </p:nvPr>
+        </p:nvSpPr>
+        <p:spPr/>
+        <p:txBody>
+          <a:bodyPr/>
+          <a:lstStyle/>
+          <a:p>
+            <a:endParaRPr lang="fr-FR"/>
+          </a:p>
+        </p:txBody>
+      </p:sp>
+      <p:pic>
+        <p:nvPicPr>
+          <p:cNvPr id="7" name="Image 6">
+            <a:extLst>
+              <a:ext uri="{FF2B5EF4-FFF2-40B4-BE49-F238E27FC236}">
+                <a16:creationId xmlns:a16="http://schemas.microsoft.com/office/drawing/2014/main" id="{E44493A6-02AC-4D62-8708-A9D5EFEC9031}"/>
+              </a:ext>
+            </a:extLst>
+          </p:cNvPr>
+          <p:cNvPicPr>
+            <a:picLocks noChangeAspect="1"/>
+          </p:cNvPicPr>
+          <p:nvPr/>
+        </p:nvPicPr>
+        <p:blipFill>
+          <a:blip r:embed="rId2"/>
+          <a:stretch>
+            <a:fillRect/>
+          </a:stretch>
+        </p:blipFill>
+        <p:spPr>
+          <a:xfrm>
+            <a:off x="1691238" y="1975210"/>
+            <a:ext cx="8809524" cy="5200000"/>
+          </a:xfrm>
+          <a:prstGeom prst="rect">
+            <a:avLst/>
+          </a:prstGeom>
+        </p:spPr>
+      </p:pic>
+      <p:sp>
+        <p:nvSpPr>
+          <p:cNvPr id="8" name="Rectangle 7">
+            <a:extLst>
+              <a:ext uri="{FF2B5EF4-FFF2-40B4-BE49-F238E27FC236}">
+                <a16:creationId xmlns:a16="http://schemas.microsoft.com/office/drawing/2014/main" id="{FA98870A-021E-407E-AA36-0C669667C19E}"/>
+              </a:ext>
+            </a:extLst>
+          </p:cNvPr>
+          <p:cNvSpPr/>
+          <p:nvPr/>
+        </p:nvSpPr>
+        <p:spPr>
+          <a:xfrm>
+            <a:off x="522043" y="570915"/>
+            <a:ext cx="222850" cy="177281"/>
+          </a:xfrm>
+          <a:prstGeom prst="rect">
+            <a:avLst/>
+          </a:prstGeom>
+          <a:solidFill>
+            <a:srgbClr val="FFAA94"/>
+          </a:solidFill>
+        </p:spPr>
+        <p:style>
+          <a:lnRef idx="2">
+            <a:schemeClr val="accent1">
+              <a:shade val="50000"/>
+            </a:schemeClr>
+          </a:lnRef>
+          <a:fillRef idx="1">
+            <a:schemeClr val="accent1"/>
+          </a:fillRef>
+          <a:effectRef idx="0">
+            <a:schemeClr val="accent1"/>
+          </a:effectRef>
+          <a:fontRef idx="minor">
+            <a:schemeClr val="lt1"/>
+          </a:fontRef>
+        </p:style>
+        <p:txBody>
+          <a:bodyPr rtlCol="0" anchor="ctr"/>
+          <a:lstStyle/>
+          <a:p>
+            <a:pPr algn="ctr"/>
+            <a:endParaRPr lang="fr-FR"/>
+          </a:p>
+        </p:txBody>
+      </p:sp>
+      <p:sp>
+        <p:nvSpPr>
+          <p:cNvPr id="9" name="Rectangle 8">
+            <a:extLst>
+              <a:ext uri="{FF2B5EF4-FFF2-40B4-BE49-F238E27FC236}">
+                <a16:creationId xmlns:a16="http://schemas.microsoft.com/office/drawing/2014/main" id="{F51AD4EA-2C73-456D-86A3-4FEBD56E4C21}"/>
+              </a:ext>
+            </a:extLst>
+          </p:cNvPr>
+          <p:cNvSpPr/>
+          <p:nvPr/>
+        </p:nvSpPr>
+        <p:spPr>
+          <a:xfrm>
+            <a:off x="522043" y="320692"/>
+            <a:ext cx="222850" cy="177281"/>
+          </a:xfrm>
+          <a:prstGeom prst="rect">
+            <a:avLst/>
+          </a:prstGeom>
+          <a:solidFill>
+            <a:srgbClr val="CECBCE"/>
+          </a:solidFill>
+        </p:spPr>
+        <p:style>
+          <a:lnRef idx="2">
+            <a:schemeClr val="accent1">
+              <a:shade val="50000"/>
+            </a:schemeClr>
+          </a:lnRef>
+          <a:fillRef idx="1">
+            <a:schemeClr val="accent1"/>
+          </a:fillRef>
+          <a:effectRef idx="0">
+            <a:schemeClr val="accent1"/>
+          </a:effectRef>
+          <a:fontRef idx="minor">
+            <a:schemeClr val="lt1"/>
+          </a:fontRef>
+        </p:style>
+        <p:txBody>
+          <a:bodyPr rtlCol="0" anchor="ctr"/>
+          <a:lstStyle/>
+          <a:p>
+            <a:pPr algn="ctr"/>
+            <a:endParaRPr lang="fr-FR"/>
+          </a:p>
+        </p:txBody>
+      </p:sp>
+      <p:sp>
+        <p:nvSpPr>
+          <p:cNvPr id="10" name="ZoneTexte 9">
+            <a:extLst>
+              <a:ext uri="{FF2B5EF4-FFF2-40B4-BE49-F238E27FC236}">
+                <a16:creationId xmlns:a16="http://schemas.microsoft.com/office/drawing/2014/main" id="{106CDFE4-38BD-48F7-B31F-AE49D35E9D24}"/>
+              </a:ext>
+            </a:extLst>
+          </p:cNvPr>
+          <p:cNvSpPr txBox="1"/>
+          <p:nvPr/>
+        </p:nvSpPr>
+        <p:spPr>
+          <a:xfrm>
+            <a:off x="744893" y="247749"/>
+            <a:ext cx="6925414" cy="1200329"/>
+          </a:xfrm>
+          <a:prstGeom prst="rect">
+            <a:avLst/>
+          </a:prstGeom>
+          <a:noFill/>
+        </p:spPr>
+        <p:txBody>
+          <a:bodyPr wrap="square" rtlCol="0">
+            <a:spAutoFit/>
+          </a:bodyPr>
+          <a:lstStyle/>
+          <a:p>
+            <a:r>
+              <a:rPr lang="fr-FR" dirty="0"/>
+              <a:t>Première consultation au HUS</a:t>
+            </a:r>
+          </a:p>
+          <a:p>
+            <a:r>
+              <a:rPr lang="fr-FR" dirty="0"/>
+              <a:t>Première consultation au HUS en rapport avec la PR « </a:t>
+            </a:r>
+            <a:r>
+              <a:rPr lang="fr-FR" dirty="0" err="1"/>
+              <a:t>nlp</a:t>
+            </a:r>
+            <a:r>
+              <a:rPr lang="fr-FR" dirty="0"/>
+              <a:t> »</a:t>
+            </a:r>
+          </a:p>
+          <a:p>
+            <a:r>
+              <a:rPr lang="fr-FR" dirty="0"/>
+              <a:t>Première consultation au HUS en rapport avec la PR, code </a:t>
+            </a:r>
+            <a:r>
+              <a:rPr lang="fr-FR" dirty="0" err="1"/>
+              <a:t>cim</a:t>
+            </a:r>
+            <a:endParaRPr lang="fr-FR" dirty="0"/>
+          </a:p>
+          <a:p>
+            <a:endParaRPr lang="fr-FR" dirty="0"/>
+          </a:p>
+        </p:txBody>
+      </p:sp>
+      <p:sp>
+        <p:nvSpPr>
+          <p:cNvPr id="11" name="Rectangle 10">
+            <a:extLst>
+              <a:ext uri="{FF2B5EF4-FFF2-40B4-BE49-F238E27FC236}">
+                <a16:creationId xmlns:a16="http://schemas.microsoft.com/office/drawing/2014/main" id="{18599732-235A-401B-AE3B-B45B12C832B7}"/>
+              </a:ext>
+            </a:extLst>
+          </p:cNvPr>
+          <p:cNvSpPr/>
+          <p:nvPr/>
+        </p:nvSpPr>
+        <p:spPr>
+          <a:xfrm>
+            <a:off x="522043" y="821138"/>
+            <a:ext cx="222850" cy="177281"/>
+          </a:xfrm>
+          <a:prstGeom prst="rect">
+            <a:avLst/>
+          </a:prstGeom>
+          <a:solidFill>
+            <a:srgbClr val="C6F3CE"/>
+          </a:solidFill>
+        </p:spPr>
+        <p:style>
+          <a:lnRef idx="2">
+            <a:schemeClr val="accent1">
+              <a:shade val="50000"/>
+            </a:schemeClr>
+          </a:lnRef>
+          <a:fillRef idx="1">
+            <a:schemeClr val="accent1"/>
+          </a:fillRef>
+          <a:effectRef idx="0">
+            <a:schemeClr val="accent1"/>
+          </a:effectRef>
+          <a:fontRef idx="minor">
+            <a:schemeClr val="lt1"/>
+          </a:fontRef>
+        </p:style>
+        <p:txBody>
+          <a:bodyPr rtlCol="0" anchor="ctr"/>
+          <a:lstStyle/>
+          <a:p>
+            <a:pPr algn="ctr"/>
+            <a:endParaRPr lang="fr-FR"/>
+          </a:p>
+        </p:txBody>
+      </p:sp>
+    </p:spTree>
+    <p:extLst>
+      <p:ext uri="{BB962C8B-B14F-4D97-AF65-F5344CB8AC3E}">
+        <p14:creationId xmlns:p14="http://schemas.microsoft.com/office/powerpoint/2010/main" val="744026097"/>
+      </p:ext>
+    </p:extLst>
+  </p:cSld>
+  <p:clrMapOvr>
+    <a:masterClrMapping/>
+  </p:clrMapOvr>
+</p:sld>
+</file>
+
+<file path=ppt/slides/slide6.xml><?xml version="1.0" encoding="utf-8"?>
+<p:sld xmlns:a="http://schemas.openxmlformats.org/drawingml/2006/main" xmlns:r="http://schemas.openxmlformats.org/officeDocument/2006/relationships" xmlns:p="http://schemas.openxmlformats.org/presentationml/2006/main">
+  <p:cSld>
+    <p:spTree>
+      <p:nvGrpSpPr>
+        <p:cNvPr id="1" name=""/>
+        <p:cNvGrpSpPr/>
+        <p:nvPr/>
+      </p:nvGrpSpPr>
+      <p:grpSpPr>
+        <a:xfrm>
+          <a:off x="0" y="0"/>
+          <a:ext cx="0" cy="0"/>
+          <a:chOff x="0" y="0"/>
+          <a:chExt cx="0" cy="0"/>
+        </a:xfrm>
+      </p:grpSpPr>
+      <p:sp>
+        <p:nvSpPr>
+          <p:cNvPr id="2" name="Titre 1">
+            <a:extLst>
+              <a:ext uri="{FF2B5EF4-FFF2-40B4-BE49-F238E27FC236}">
+                <a16:creationId xmlns:a16="http://schemas.microsoft.com/office/drawing/2014/main" id="{D18333FA-4099-4FA9-8044-C525BE873E87}"/>
+              </a:ext>
+            </a:extLst>
+          </p:cNvPr>
+          <p:cNvSpPr>
+            <a:spLocks noGrp="1"/>
+          </p:cNvSpPr>
+          <p:nvPr>
+            <p:ph type="title"/>
+          </p:nvPr>
+        </p:nvSpPr>
+        <p:spPr/>
+        <p:txBody>
+          <a:bodyPr/>
+          <a:lstStyle/>
+          <a:p>
+            <a:r>
+              <a:rPr lang="fr-FR" dirty="0"/>
+              <a:t>Exploration des textes longs </a:t>
+            </a:r>
+            <a:br>
+              <a:rPr lang="fr-FR" dirty="0"/>
+            </a:br>
+            <a:r>
+              <a:rPr lang="fr-FR" dirty="0"/>
+              <a:t>entre 2015 et 2020</a:t>
+            </a:r>
+          </a:p>
+        </p:txBody>
+      </p:sp>
+      <p:graphicFrame>
+        <p:nvGraphicFramePr>
+          <p:cNvPr id="4" name="Tableau 4">
+            <a:extLst>
+              <a:ext uri="{FF2B5EF4-FFF2-40B4-BE49-F238E27FC236}">
+                <a16:creationId xmlns:a16="http://schemas.microsoft.com/office/drawing/2014/main" id="{A1FCFC66-4499-4E48-9110-AD1FD6147170}"/>
+              </a:ext>
+            </a:extLst>
+          </p:cNvPr>
+          <p:cNvGraphicFramePr>
+            <a:graphicFrameLocks noGrp="1"/>
+          </p:cNvGraphicFramePr>
+          <p:nvPr>
+            <p:ph idx="1"/>
+            <p:extLst>
+              <p:ext uri="{D42A27DB-BD31-4B8C-83A1-F6EECF244321}">
+                <p14:modId xmlns:p14="http://schemas.microsoft.com/office/powerpoint/2010/main" val="1710265866"/>
+              </p:ext>
+            </p:extLst>
+          </p:nvPr>
+        </p:nvGraphicFramePr>
+        <p:xfrm>
+          <a:off x="838200" y="4282318"/>
+          <a:ext cx="10515600" cy="1920240"/>
+        </p:xfrm>
+        <a:graphic>
+          <a:graphicData uri="http://schemas.openxmlformats.org/drawingml/2006/table">
+            <a:tbl>
+              <a:tblPr firstRow="1" bandRow="1">
+                <a:tableStyleId>{5C22544A-7EE6-4342-B048-85BDC9FD1C3A}</a:tableStyleId>
+              </a:tblPr>
+              <a:tblGrid>
+                <a:gridCol w="1752600">
+                  <a:extLst>
+                    <a:ext uri="{9D8B030D-6E8A-4147-A177-3AD203B41FA5}">
+                      <a16:colId xmlns:a16="http://schemas.microsoft.com/office/drawing/2014/main" val="3565323945"/>
+                    </a:ext>
+                  </a:extLst>
+                </a:gridCol>
+                <a:gridCol w="1752600">
+                  <a:extLst>
+                    <a:ext uri="{9D8B030D-6E8A-4147-A177-3AD203B41FA5}">
+                      <a16:colId xmlns:a16="http://schemas.microsoft.com/office/drawing/2014/main" val="1784658359"/>
+                    </a:ext>
+                  </a:extLst>
+                </a:gridCol>
+                <a:gridCol w="1752600">
+                  <a:extLst>
+                    <a:ext uri="{9D8B030D-6E8A-4147-A177-3AD203B41FA5}">
+                      <a16:colId xmlns:a16="http://schemas.microsoft.com/office/drawing/2014/main" val="1562078093"/>
+                    </a:ext>
+                  </a:extLst>
+                </a:gridCol>
+                <a:gridCol w="1752600">
+                  <a:extLst>
+                    <a:ext uri="{9D8B030D-6E8A-4147-A177-3AD203B41FA5}">
+                      <a16:colId xmlns:a16="http://schemas.microsoft.com/office/drawing/2014/main" val="1725202144"/>
+                    </a:ext>
+                  </a:extLst>
+                </a:gridCol>
+                <a:gridCol w="1752600">
+                  <a:extLst>
+                    <a:ext uri="{9D8B030D-6E8A-4147-A177-3AD203B41FA5}">
+                      <a16:colId xmlns:a16="http://schemas.microsoft.com/office/drawing/2014/main" val="472077506"/>
+                    </a:ext>
+                  </a:extLst>
+                </a:gridCol>
+                <a:gridCol w="1752600">
+                  <a:extLst>
+                    <a:ext uri="{9D8B030D-6E8A-4147-A177-3AD203B41FA5}">
+                      <a16:colId xmlns:a16="http://schemas.microsoft.com/office/drawing/2014/main" val="3608391913"/>
+                    </a:ext>
+                  </a:extLst>
+                </a:gridCol>
+              </a:tblGrid>
+              <a:tr h="370840">
+                <a:tc gridSpan="3">
+                  <a:txBody>
+                    <a:bodyPr/>
+                    <a:lstStyle/>
+                    <a:p>
+                      <a:r>
+                        <a:rPr lang="fr-FR" dirty="0"/>
+                        <a:t>Nombre de séjour moyen par patient</a:t>
+                      </a:r>
+                    </a:p>
+                  </a:txBody>
+                  <a:tcPr/>
+                </a:tc>
+                <a:tc hMerge="1">
+                  <a:txBody>
+                    <a:bodyPr/>
+                    <a:lstStyle/>
+                    <a:p>
+                      <a:r>
+                        <a:rPr lang="fr-FR" dirty="0"/>
+                        <a:t>Nombre de séjour</a:t>
+                      </a:r>
+                    </a:p>
+                  </a:txBody>
+                  <a:tcPr/>
+                </a:tc>
+                <a:tc hMerge="1">
+                  <a:txBody>
+                    <a:bodyPr/>
+                    <a:lstStyle/>
+                    <a:p>
+                      <a:endParaRPr lang="fr-FR" dirty="0"/>
+                    </a:p>
+                  </a:txBody>
+                  <a:tcPr/>
+                </a:tc>
+                <a:tc gridSpan="3">
+                  <a:txBody>
+                    <a:bodyPr/>
+                    <a:lstStyle/>
+                    <a:p>
+                      <a:pPr marL="0" marR="0" lvl="0" indent="0" algn="l" defTabSz="914400" rtl="0" eaLnBrk="1" fontAlgn="auto" latinLnBrk="0" hangingPunct="1">
+                        <a:lnSpc>
+                          <a:spcPct val="100000"/>
+                        </a:lnSpc>
+                        <a:spcBef>
+                          <a:spcPts val="0"/>
+                        </a:spcBef>
+                        <a:spcAft>
+                          <a:spcPts val="0"/>
+                        </a:spcAft>
+                        <a:buClrTx/>
+                        <a:buSzTx/>
+                        <a:buFontTx/>
+                        <a:buNone/>
+                        <a:tabLst/>
+                        <a:defRPr/>
+                      </a:pPr>
+                      <a:r>
+                        <a:rPr lang="fr-FR" dirty="0"/>
+                        <a:t>Moyenne des moyennes de durée séjour par patient (IQR)</a:t>
+                      </a:r>
+                    </a:p>
+                  </a:txBody>
+                  <a:tcPr/>
+                </a:tc>
+                <a:tc hMerge="1">
+                  <a:txBody>
+                    <a:bodyPr/>
+                    <a:lstStyle/>
+                    <a:p>
+                      <a:endParaRPr lang="fr-FR" dirty="0"/>
+                    </a:p>
+                  </a:txBody>
+                  <a:tcPr/>
+                </a:tc>
+                <a:tc hMerge="1">
+                  <a:txBody>
+                    <a:bodyPr/>
+                    <a:lstStyle/>
+                    <a:p>
+                      <a:endParaRPr lang="fr-FR" dirty="0"/>
+                    </a:p>
+                  </a:txBody>
+                  <a:tcPr/>
+                </a:tc>
+                <a:extLst>
+                  <a:ext uri="{0D108BD9-81ED-4DB2-BD59-A6C34878D82A}">
+                    <a16:rowId xmlns:a16="http://schemas.microsoft.com/office/drawing/2014/main" val="2428920508"/>
+                  </a:ext>
+                </a:extLst>
+              </a:tr>
+              <a:tr h="370840">
+                <a:tc>
+                  <a:txBody>
+                    <a:bodyPr/>
+                    <a:lstStyle/>
+                    <a:p>
+                      <a:r>
+                        <a:rPr lang="fr-FR" dirty="0"/>
+                        <a:t>Tout confondu</a:t>
+                      </a:r>
+                    </a:p>
+                  </a:txBody>
+                  <a:tcPr/>
+                </a:tc>
+                <a:tc>
+                  <a:txBody>
+                    <a:bodyPr/>
+                    <a:lstStyle/>
+                    <a:p>
+                      <a:r>
+                        <a:rPr lang="fr-FR" dirty="0"/>
+                        <a:t>Avec expression régulière trouvé</a:t>
+                      </a:r>
+                    </a:p>
+                  </a:txBody>
+                  <a:tcPr/>
+                </a:tc>
+                <a:tc>
+                  <a:txBody>
+                    <a:bodyPr/>
+                    <a:lstStyle/>
+                    <a:p>
+                      <a:r>
+                        <a:rPr lang="fr-FR" dirty="0"/>
+                        <a:t>Avec PR positive</a:t>
+                      </a:r>
+                    </a:p>
+                  </a:txBody>
+                  <a:tcPr/>
+                </a:tc>
+                <a:tc>
+                  <a:txBody>
+                    <a:bodyPr/>
+                    <a:lstStyle/>
+                    <a:p>
+                      <a:r>
+                        <a:rPr lang="fr-FR" dirty="0"/>
+                        <a:t>Tout confondu</a:t>
+                      </a:r>
+                    </a:p>
+                  </a:txBody>
+                  <a:tcPr/>
+                </a:tc>
+                <a:tc>
+                  <a:txBody>
+                    <a:bodyPr/>
+                    <a:lstStyle/>
+                    <a:p>
+                      <a:r>
+                        <a:rPr lang="fr-FR" dirty="0"/>
+                        <a:t>Avec expression régulière trouvé</a:t>
+                      </a:r>
+                    </a:p>
+                  </a:txBody>
+                  <a:tcPr/>
+                </a:tc>
+                <a:tc>
+                  <a:txBody>
+                    <a:bodyPr/>
+                    <a:lstStyle/>
+                    <a:p>
+                      <a:r>
+                        <a:rPr lang="fr-FR" dirty="0"/>
+                        <a:t>Avec PR positive</a:t>
+                      </a:r>
+                    </a:p>
+                  </a:txBody>
+                  <a:tcPr/>
+                </a:tc>
+                <a:extLst>
+                  <a:ext uri="{0D108BD9-81ED-4DB2-BD59-A6C34878D82A}">
+                    <a16:rowId xmlns:a16="http://schemas.microsoft.com/office/drawing/2014/main" val="2619617792"/>
+                  </a:ext>
+                </a:extLst>
+              </a:tr>
+              <a:tr h="370840">
+                <a:tc>
+                  <a:txBody>
+                    <a:bodyPr/>
+                    <a:lstStyle/>
+                    <a:p>
+                      <a:r>
+                        <a:rPr lang="fr-FR" dirty="0"/>
+                        <a:t>25,97 ( 7-34)</a:t>
+                      </a:r>
+                    </a:p>
+                  </a:txBody>
+                  <a:tcPr/>
+                </a:tc>
+                <a:tc>
+                  <a:txBody>
+                    <a:bodyPr/>
+                    <a:lstStyle/>
+                    <a:p>
+                      <a:r>
+                        <a:rPr lang="fr-FR" dirty="0"/>
+                        <a:t>1,55 (1 – 2)</a:t>
+                      </a:r>
+                    </a:p>
+                  </a:txBody>
+                  <a:tcPr/>
+                </a:tc>
+                <a:tc>
+                  <a:txBody>
+                    <a:bodyPr/>
+                    <a:lstStyle/>
+                    <a:p>
+                      <a:r>
+                        <a:rPr lang="fr-FR" dirty="0"/>
+                        <a:t>0,64 (0 -1)</a:t>
+                      </a:r>
+                    </a:p>
+                  </a:txBody>
+                  <a:tcPr/>
+                </a:tc>
+                <a:tc>
+                  <a:txBody>
+                    <a:bodyPr/>
+                    <a:lstStyle/>
+                    <a:p>
+                      <a:r>
+                        <a:rPr lang="fr-FR" dirty="0"/>
+                        <a:t>3,66 (1,13 – 3,6)</a:t>
+                      </a:r>
+                    </a:p>
+                  </a:txBody>
+                  <a:tcPr/>
+                </a:tc>
+                <a:tc>
+                  <a:txBody>
+                    <a:bodyPr/>
+                    <a:lstStyle/>
+                    <a:p>
+                      <a:r>
+                        <a:rPr lang="fr-FR" dirty="0"/>
+                        <a:t>7,93 (1 - 8)</a:t>
+                      </a:r>
+                    </a:p>
+                  </a:txBody>
+                  <a:tcPr/>
+                </a:tc>
+                <a:tc>
+                  <a:txBody>
+                    <a:bodyPr/>
+                    <a:lstStyle/>
+                    <a:p>
+                      <a:r>
+                        <a:rPr lang="fr-FR" dirty="0"/>
+                        <a:t>10,2 (1</a:t>
+                      </a:r>
+                    </a:p>
+                    <a:p>
+                      <a:r>
+                        <a:rPr lang="fr-FR" dirty="0"/>
+                        <a:t>- 10)</a:t>
+                      </a:r>
+                    </a:p>
+                  </a:txBody>
+                  <a:tcPr/>
+                </a:tc>
+                <a:extLst>
+                  <a:ext uri="{0D108BD9-81ED-4DB2-BD59-A6C34878D82A}">
+                    <a16:rowId xmlns:a16="http://schemas.microsoft.com/office/drawing/2014/main" val="3450236186"/>
+                  </a:ext>
+                </a:extLst>
+              </a:tr>
+            </a:tbl>
+          </a:graphicData>
+        </a:graphic>
+      </p:graphicFrame>
+      <p:graphicFrame>
+        <p:nvGraphicFramePr>
+          <p:cNvPr id="3" name="Tableau 4">
+            <a:extLst>
+              <a:ext uri="{FF2B5EF4-FFF2-40B4-BE49-F238E27FC236}">
+                <a16:creationId xmlns:a16="http://schemas.microsoft.com/office/drawing/2014/main" id="{4DF53E19-6A5C-4072-AD93-42DF0B29E49B}"/>
+              </a:ext>
+            </a:extLst>
+          </p:cNvPr>
+          <p:cNvGraphicFramePr>
+            <a:graphicFrameLocks noGrp="1"/>
+          </p:cNvGraphicFramePr>
+          <p:nvPr>
+            <p:extLst>
+              <p:ext uri="{D42A27DB-BD31-4B8C-83A1-F6EECF244321}">
+                <p14:modId xmlns:p14="http://schemas.microsoft.com/office/powerpoint/2010/main" val="773911729"/>
+              </p:ext>
+            </p:extLst>
+          </p:nvPr>
+        </p:nvGraphicFramePr>
+        <p:xfrm>
+          <a:off x="1283855" y="2316480"/>
+          <a:ext cx="8128000" cy="1381760"/>
+        </p:xfrm>
+        <a:graphic>
+          <a:graphicData uri="http://schemas.openxmlformats.org/drawingml/2006/table">
+            <a:tbl>
+              <a:tblPr firstRow="1" bandRow="1">
+                <a:tableStyleId>{5C22544A-7EE6-4342-B048-85BDC9FD1C3A}</a:tableStyleId>
+              </a:tblPr>
+              <a:tblGrid>
+                <a:gridCol w="2032000">
+                  <a:extLst>
+                    <a:ext uri="{9D8B030D-6E8A-4147-A177-3AD203B41FA5}">
+                      <a16:colId xmlns:a16="http://schemas.microsoft.com/office/drawing/2014/main" val="2468600965"/>
+                    </a:ext>
+                  </a:extLst>
+                </a:gridCol>
+                <a:gridCol w="2032000">
+                  <a:extLst>
+                    <a:ext uri="{9D8B030D-6E8A-4147-A177-3AD203B41FA5}">
+                      <a16:colId xmlns:a16="http://schemas.microsoft.com/office/drawing/2014/main" val="567127336"/>
+                    </a:ext>
+                  </a:extLst>
+                </a:gridCol>
+                <a:gridCol w="2032000">
+                  <a:extLst>
+                    <a:ext uri="{9D8B030D-6E8A-4147-A177-3AD203B41FA5}">
+                      <a16:colId xmlns:a16="http://schemas.microsoft.com/office/drawing/2014/main" val="1924053445"/>
+                    </a:ext>
+                  </a:extLst>
+                </a:gridCol>
+                <a:gridCol w="2032000">
+                  <a:extLst>
+                    <a:ext uri="{9D8B030D-6E8A-4147-A177-3AD203B41FA5}">
+                      <a16:colId xmlns:a16="http://schemas.microsoft.com/office/drawing/2014/main" val="1097407440"/>
+                    </a:ext>
+                  </a:extLst>
+                </a:gridCol>
+              </a:tblGrid>
+              <a:tr h="370840">
+                <a:tc>
+                  <a:txBody>
+                    <a:bodyPr/>
+                    <a:lstStyle/>
+                    <a:p>
+                      <a:endParaRPr lang="fr-FR"/>
+                    </a:p>
+                  </a:txBody>
+                  <a:tcPr/>
+                </a:tc>
+                <a:tc>
+                  <a:txBody>
+                    <a:bodyPr/>
+                    <a:lstStyle/>
+                    <a:p>
+                      <a:r>
+                        <a:rPr lang="fr-FR" dirty="0"/>
+                        <a:t>Expression régulière</a:t>
+                      </a:r>
+                    </a:p>
+                  </a:txBody>
+                  <a:tcPr/>
+                </a:tc>
+                <a:tc>
+                  <a:txBody>
+                    <a:bodyPr/>
+                    <a:lstStyle/>
+                    <a:p>
+                      <a:r>
+                        <a:rPr lang="fr-FR" dirty="0"/>
+                        <a:t>NLP</a:t>
+                      </a:r>
+                    </a:p>
+                  </a:txBody>
+                  <a:tcPr/>
+                </a:tc>
+                <a:tc>
+                  <a:txBody>
+                    <a:bodyPr/>
+                    <a:lstStyle/>
+                    <a:p>
+                      <a:r>
+                        <a:rPr lang="fr-FR" dirty="0"/>
+                        <a:t>Code </a:t>
+                      </a:r>
+                      <a:r>
+                        <a:rPr lang="fr-FR" dirty="0" err="1"/>
+                        <a:t>Cim</a:t>
+                      </a:r>
+                      <a:endParaRPr lang="fr-FR" dirty="0"/>
+                    </a:p>
+                  </a:txBody>
+                  <a:tcPr/>
+                </a:tc>
+                <a:extLst>
+                  <a:ext uri="{0D108BD9-81ED-4DB2-BD59-A6C34878D82A}">
+                    <a16:rowId xmlns:a16="http://schemas.microsoft.com/office/drawing/2014/main" val="3978931672"/>
+                  </a:ext>
+                </a:extLst>
+              </a:tr>
+              <a:tr h="370840">
+                <a:tc>
+                  <a:txBody>
+                    <a:bodyPr/>
+                    <a:lstStyle/>
+                    <a:p>
+                      <a:r>
+                        <a:rPr lang="fr-FR" dirty="0"/>
+                        <a:t>Séjour </a:t>
+                      </a:r>
+                    </a:p>
+                  </a:txBody>
+                  <a:tcPr/>
+                </a:tc>
+                <a:tc>
+                  <a:txBody>
+                    <a:bodyPr/>
+                    <a:lstStyle/>
+                    <a:p>
+                      <a:r>
+                        <a:rPr lang="fr-FR" dirty="0"/>
+                        <a:t>4153</a:t>
+                      </a:r>
+                    </a:p>
+                  </a:txBody>
+                  <a:tcPr/>
+                </a:tc>
+                <a:tc>
+                  <a:txBody>
+                    <a:bodyPr/>
+                    <a:lstStyle/>
+                    <a:p>
+                      <a:r>
+                        <a:rPr lang="fr-FR" dirty="0"/>
+                        <a:t>1214</a:t>
+                      </a:r>
+                    </a:p>
+                  </a:txBody>
+                  <a:tcPr/>
+                </a:tc>
+                <a:tc>
+                  <a:txBody>
+                    <a:bodyPr/>
+                    <a:lstStyle/>
+                    <a:p>
+                      <a:r>
+                        <a:rPr lang="fr-FR" dirty="0"/>
+                        <a:t>4943</a:t>
+                      </a:r>
+                    </a:p>
+                  </a:txBody>
+                  <a:tcPr/>
+                </a:tc>
+                <a:extLst>
+                  <a:ext uri="{0D108BD9-81ED-4DB2-BD59-A6C34878D82A}">
+                    <a16:rowId xmlns:a16="http://schemas.microsoft.com/office/drawing/2014/main" val="1458601103"/>
+                  </a:ext>
+                </a:extLst>
+              </a:tr>
+              <a:tr h="370840">
+                <a:tc>
+                  <a:txBody>
+                    <a:bodyPr/>
+                    <a:lstStyle/>
+                    <a:p>
+                      <a:r>
+                        <a:rPr lang="fr-FR" dirty="0"/>
+                        <a:t>Patient</a:t>
+                      </a:r>
+                    </a:p>
+                  </a:txBody>
+                  <a:tcPr/>
+                </a:tc>
+                <a:tc>
+                  <a:txBody>
+                    <a:bodyPr/>
+                    <a:lstStyle/>
+                    <a:p>
+                      <a:r>
+                        <a:rPr lang="fr-FR" dirty="0"/>
+                        <a:t>1429 </a:t>
+                      </a:r>
+                    </a:p>
+                  </a:txBody>
+                  <a:tcPr/>
+                </a:tc>
+                <a:tc>
+                  <a:txBody>
+                    <a:bodyPr/>
+                    <a:lstStyle/>
+                    <a:p>
+                      <a:r>
+                        <a:rPr lang="fr-FR" dirty="0"/>
+                        <a:t>803</a:t>
+                      </a:r>
+                    </a:p>
+                  </a:txBody>
+                  <a:tcPr/>
+                </a:tc>
+                <a:tc>
+                  <a:txBody>
+                    <a:bodyPr/>
+                    <a:lstStyle/>
+                    <a:p>
+                      <a:r>
+                        <a:rPr lang="fr-FR" dirty="0"/>
+                        <a:t>947 </a:t>
+                      </a:r>
+                    </a:p>
+                  </a:txBody>
+                  <a:tcPr/>
+                </a:tc>
+                <a:extLst>
+                  <a:ext uri="{0D108BD9-81ED-4DB2-BD59-A6C34878D82A}">
+                    <a16:rowId xmlns:a16="http://schemas.microsoft.com/office/drawing/2014/main" val="162517416"/>
+                  </a:ext>
+                </a:extLst>
+              </a:tr>
+            </a:tbl>
+          </a:graphicData>
+        </a:graphic>
+      </p:graphicFrame>
+    </p:spTree>
+    <p:extLst>
+      <p:ext uri="{BB962C8B-B14F-4D97-AF65-F5344CB8AC3E}">
+        <p14:creationId xmlns:p14="http://schemas.microsoft.com/office/powerpoint/2010/main" val="2462695063"/>
+      </p:ext>
+    </p:extLst>
+  </p:cSld>
+  <p:clrMapOvr>
+    <a:masterClrMapping/>
+  </p:clrMapOvr>
+</p:sld>
+</file>
+
+<file path=ppt/slides/slide7.xml><?xml version="1.0" encoding="utf-8"?>
+<p:sld xmlns:a="http://schemas.openxmlformats.org/drawingml/2006/main" xmlns:r="http://schemas.openxmlformats.org/officeDocument/2006/relationships" xmlns:p="http://schemas.openxmlformats.org/presentationml/2006/main">
+  <p:cSld>
+    <p:spTree>
+      <p:nvGrpSpPr>
+        <p:cNvPr id="1" name=""/>
+        <p:cNvGrpSpPr/>
+        <p:nvPr/>
+      </p:nvGrpSpPr>
+      <p:grpSpPr>
+        <a:xfrm>
+          <a:off x="0" y="0"/>
+          <a:ext cx="0" cy="0"/>
+          <a:chOff x="0" y="0"/>
+          <a:chExt cx="0" cy="0"/>
+        </a:xfrm>
+      </p:grpSpPr>
+      <p:sp>
+        <p:nvSpPr>
+          <p:cNvPr id="7" name="Titre 6">
+            <a:extLst>
+              <a:ext uri="{FF2B5EF4-FFF2-40B4-BE49-F238E27FC236}">
+                <a16:creationId xmlns:a16="http://schemas.microsoft.com/office/drawing/2014/main" id="{48382546-BC61-4BFA-8CCB-3B4F08A7BDFF}"/>
+              </a:ext>
+            </a:extLst>
+          </p:cNvPr>
+          <p:cNvSpPr>
+            <a:spLocks noGrp="1"/>
+          </p:cNvSpPr>
+          <p:nvPr>
+            <p:ph type="title"/>
+          </p:nvPr>
+        </p:nvSpPr>
+        <p:spPr/>
+        <p:txBody>
+          <a:bodyPr/>
+          <a:lstStyle/>
+          <a:p>
+            <a:r>
+              <a:rPr lang="fr-FR" dirty="0"/>
+              <a:t>Exploration des textes longs </a:t>
+            </a:r>
+            <a:br>
+              <a:rPr lang="fr-FR" dirty="0"/>
+            </a:br>
+            <a:r>
+              <a:rPr lang="fr-FR" dirty="0"/>
+              <a:t>entre 2015 et 2020</a:t>
+            </a:r>
+          </a:p>
+        </p:txBody>
+      </p:sp>
+      <p:sp>
+        <p:nvSpPr>
+          <p:cNvPr id="8" name="Espace réservé du texte 7">
+            <a:extLst>
+              <a:ext uri="{FF2B5EF4-FFF2-40B4-BE49-F238E27FC236}">
+                <a16:creationId xmlns:a16="http://schemas.microsoft.com/office/drawing/2014/main" id="{129641E5-8D3E-4552-B573-C5AEDF381912}"/>
+              </a:ext>
+            </a:extLst>
+          </p:cNvPr>
+          <p:cNvSpPr>
+            <a:spLocks noGrp="1"/>
+          </p:cNvSpPr>
+          <p:nvPr>
+            <p:ph type="body" idx="1"/>
+          </p:nvPr>
+        </p:nvSpPr>
+        <p:spPr/>
+        <p:txBody>
+          <a:bodyPr/>
+          <a:lstStyle/>
+          <a:p>
+            <a:r>
+              <a:rPr lang="fr-FR" dirty="0"/>
+              <a:t>Niveau Patient</a:t>
+            </a:r>
+          </a:p>
+        </p:txBody>
+      </p:sp>
+      <p:sp>
+        <p:nvSpPr>
+          <p:cNvPr id="10" name="Espace réservé du texte 9">
+            <a:extLst>
+              <a:ext uri="{FF2B5EF4-FFF2-40B4-BE49-F238E27FC236}">
+                <a16:creationId xmlns:a16="http://schemas.microsoft.com/office/drawing/2014/main" id="{583007AC-439C-4725-B892-96F5ADE26E7D}"/>
+              </a:ext>
+            </a:extLst>
+          </p:cNvPr>
+          <p:cNvSpPr>
+            <a:spLocks noGrp="1"/>
+          </p:cNvSpPr>
+          <p:nvPr>
+            <p:ph type="body" sz="quarter" idx="3"/>
+          </p:nvPr>
+        </p:nvSpPr>
+        <p:spPr/>
+        <p:txBody>
+          <a:bodyPr/>
+          <a:lstStyle/>
+          <a:p>
+            <a:r>
+              <a:rPr lang="fr-FR" dirty="0"/>
+              <a:t>Niveau séjour</a:t>
+            </a:r>
+          </a:p>
+        </p:txBody>
+      </p:sp>
+      <p:sp>
+        <p:nvSpPr>
+          <p:cNvPr id="11" name="Espace réservé du contenu 10">
+            <a:extLst>
+              <a:ext uri="{FF2B5EF4-FFF2-40B4-BE49-F238E27FC236}">
+                <a16:creationId xmlns:a16="http://schemas.microsoft.com/office/drawing/2014/main" id="{F57B2CCD-5F42-4D7C-B914-ACC00B4B44DF}"/>
+              </a:ext>
+            </a:extLst>
+          </p:cNvPr>
+          <p:cNvSpPr>
+            <a:spLocks noGrp="1"/>
+          </p:cNvSpPr>
+          <p:nvPr>
+            <p:ph sz="quarter" idx="4"/>
+          </p:nvPr>
+        </p:nvSpPr>
+        <p:spPr/>
+        <p:txBody>
+          <a:bodyPr/>
+          <a:lstStyle/>
+          <a:p>
+            <a:endParaRPr lang="fr-FR" sz="1800" b="0" i="0" u="none" strike="noStrike" dirty="0">
+              <a:effectLst/>
+              <a:latin typeface="Arial" panose="020B0604020202020204" pitchFamily="34" charset="0"/>
+            </a:endParaRPr>
+          </a:p>
+          <a:p>
+            <a:endParaRPr lang="fr-FR" dirty="0"/>
+          </a:p>
+        </p:txBody>
+      </p:sp>
+      <p:graphicFrame>
+        <p:nvGraphicFramePr>
+          <p:cNvPr id="13" name="Tableau 12">
+            <a:extLst>
+              <a:ext uri="{FF2B5EF4-FFF2-40B4-BE49-F238E27FC236}">
+                <a16:creationId xmlns:a16="http://schemas.microsoft.com/office/drawing/2014/main" id="{6267977B-0FDB-4E48-889A-C76E4742555C}"/>
+              </a:ext>
+            </a:extLst>
+          </p:cNvPr>
+          <p:cNvGraphicFramePr>
+            <a:graphicFrameLocks/>
+          </p:cNvGraphicFramePr>
+          <p:nvPr>
+            <p:extLst>
+              <p:ext uri="{D42A27DB-BD31-4B8C-83A1-F6EECF244321}">
+                <p14:modId xmlns:p14="http://schemas.microsoft.com/office/powerpoint/2010/main" val="225021699"/>
+              </p:ext>
+            </p:extLst>
+          </p:nvPr>
+        </p:nvGraphicFramePr>
+        <p:xfrm>
+          <a:off x="6194428" y="2505075"/>
+          <a:ext cx="3868338" cy="2021840"/>
+        </p:xfrm>
+        <a:graphic>
+          <a:graphicData uri="http://schemas.openxmlformats.org/drawingml/2006/table">
+            <a:tbl>
+              <a:tblPr firstRow="1" firstCol="1" bandRow="1">
+                <a:tableStyleId>{5C22544A-7EE6-4342-B048-85BDC9FD1C3A}</a:tableStyleId>
+              </a:tblPr>
+              <a:tblGrid>
+                <a:gridCol w="1601063">
+                  <a:extLst>
+                    <a:ext uri="{9D8B030D-6E8A-4147-A177-3AD203B41FA5}">
+                      <a16:colId xmlns:a16="http://schemas.microsoft.com/office/drawing/2014/main" val="4137883564"/>
+                    </a:ext>
+                  </a:extLst>
+                </a:gridCol>
+                <a:gridCol w="977829">
+                  <a:extLst>
+                    <a:ext uri="{9D8B030D-6E8A-4147-A177-3AD203B41FA5}">
+                      <a16:colId xmlns:a16="http://schemas.microsoft.com/office/drawing/2014/main" val="2619173983"/>
+                    </a:ext>
+                  </a:extLst>
+                </a:gridCol>
+                <a:gridCol w="1289446">
+                  <a:extLst>
+                    <a:ext uri="{9D8B030D-6E8A-4147-A177-3AD203B41FA5}">
+                      <a16:colId xmlns:a16="http://schemas.microsoft.com/office/drawing/2014/main" val="2493064270"/>
+                    </a:ext>
+                  </a:extLst>
+                </a:gridCol>
+              </a:tblGrid>
+              <a:tr h="370840">
+                <a:tc>
+                  <a:txBody>
+                    <a:bodyPr/>
+                    <a:lstStyle/>
+                    <a:p>
+                      <a:endParaRPr lang="fr-FR" dirty="0"/>
+                    </a:p>
+                  </a:txBody>
+                  <a:tcPr>
+                    <a:lnL w="12700" cmpd="sng">
+                      <a:noFill/>
+                    </a:lnL>
+                  </a:tcPr>
+                </a:tc>
+                <a:tc>
+                  <a:txBody>
+                    <a:bodyPr/>
+                    <a:lstStyle/>
+                    <a:p>
+                      <a:r>
+                        <a:rPr lang="fr-FR" dirty="0"/>
+                        <a:t>CIM-10 +</a:t>
+                      </a:r>
+                    </a:p>
+                  </a:txBody>
+                  <a:tcPr/>
+                </a:tc>
+                <a:tc>
+                  <a:txBody>
+                    <a:bodyPr/>
+                    <a:lstStyle/>
+                    <a:p>
+                      <a:r>
+                        <a:rPr lang="fr-FR" dirty="0"/>
+                        <a:t>CIM-10 -</a:t>
+                      </a:r>
+                    </a:p>
+                  </a:txBody>
+                  <a:tcPr/>
+                </a:tc>
+                <a:extLst>
+                  <a:ext uri="{0D108BD9-81ED-4DB2-BD59-A6C34878D82A}">
+                    <a16:rowId xmlns:a16="http://schemas.microsoft.com/office/drawing/2014/main" val="2268288374"/>
+                  </a:ext>
+                </a:extLst>
+              </a:tr>
+              <a:tr h="370840">
+                <a:tc>
+                  <a:txBody>
+                    <a:bodyPr/>
+                    <a:lstStyle/>
+                    <a:p>
+                      <a:r>
+                        <a:rPr lang="fr-FR" dirty="0"/>
+                        <a:t>Regex seul</a:t>
+                      </a:r>
+                    </a:p>
+                  </a:txBody>
+                  <a:tcPr/>
+                </a:tc>
+                <a:tc>
+                  <a:txBody>
+                    <a:bodyPr/>
+                    <a:lstStyle/>
+                    <a:p>
+                      <a:r>
+                        <a:rPr lang="fr-FR" dirty="0"/>
+                        <a:t>784</a:t>
+                      </a:r>
+                    </a:p>
+                  </a:txBody>
+                  <a:tcPr/>
+                </a:tc>
+                <a:tc>
+                  <a:txBody>
+                    <a:bodyPr/>
+                    <a:lstStyle/>
+                    <a:p>
+                      <a:r>
+                        <a:rPr lang="fr-FR" dirty="0"/>
+                        <a:t>2155</a:t>
+                      </a:r>
+                    </a:p>
+                  </a:txBody>
+                  <a:tcPr/>
+                </a:tc>
+                <a:extLst>
+                  <a:ext uri="{0D108BD9-81ED-4DB2-BD59-A6C34878D82A}">
+                    <a16:rowId xmlns:a16="http://schemas.microsoft.com/office/drawing/2014/main" val="239322751"/>
+                  </a:ext>
+                </a:extLst>
+              </a:tr>
+              <a:tr h="370840">
+                <a:tc>
+                  <a:txBody>
+                    <a:bodyPr/>
+                    <a:lstStyle/>
+                    <a:p>
+                      <a:r>
+                        <a:rPr lang="fr-FR" dirty="0" err="1"/>
+                        <a:t>Regex+context</a:t>
+                      </a:r>
+                      <a:endParaRPr lang="fr-FR" dirty="0"/>
+                    </a:p>
+                  </a:txBody>
+                  <a:tcPr/>
+                </a:tc>
+                <a:tc>
+                  <a:txBody>
+                    <a:bodyPr/>
+                    <a:lstStyle/>
+                    <a:p>
+                      <a:r>
+                        <a:rPr lang="fr-FR" dirty="0"/>
+                        <a:t>571</a:t>
+                      </a:r>
+                    </a:p>
+                  </a:txBody>
+                  <a:tcPr/>
+                </a:tc>
+                <a:tc>
+                  <a:txBody>
+                    <a:bodyPr/>
+                    <a:lstStyle/>
+                    <a:p>
+                      <a:r>
+                        <a:rPr lang="fr-FR" dirty="0"/>
+                        <a:t>643</a:t>
+                      </a:r>
+                    </a:p>
+                  </a:txBody>
+                  <a:tcPr/>
+                </a:tc>
+                <a:extLst>
+                  <a:ext uri="{0D108BD9-81ED-4DB2-BD59-A6C34878D82A}">
+                    <a16:rowId xmlns:a16="http://schemas.microsoft.com/office/drawing/2014/main" val="1721530847"/>
+                  </a:ext>
+                </a:extLst>
+              </a:tr>
+              <a:tr h="370840">
+                <a:tc>
+                  <a:txBody>
+                    <a:bodyPr/>
+                    <a:lstStyle/>
+                    <a:p>
+                      <a:r>
+                        <a:rPr lang="fr-FR" dirty="0"/>
+                        <a:t>Pas de notion </a:t>
+                      </a:r>
+                      <a:r>
+                        <a:rPr lang="fr-FR" dirty="0" err="1"/>
+                        <a:t>nlp</a:t>
+                      </a:r>
+                      <a:endParaRPr lang="fr-FR" dirty="0"/>
+                    </a:p>
+                  </a:txBody>
+                  <a:tcPr/>
+                </a:tc>
+                <a:tc>
+                  <a:txBody>
+                    <a:bodyPr/>
+                    <a:lstStyle/>
+                    <a:p>
+                      <a:r>
+                        <a:rPr lang="fr-FR" dirty="0"/>
+                        <a:t>3588</a:t>
+                      </a:r>
+                    </a:p>
+                  </a:txBody>
+                  <a:tcPr/>
+                </a:tc>
+                <a:tc>
+                  <a:txBody>
+                    <a:bodyPr/>
+                    <a:lstStyle/>
+                    <a:p>
+                      <a:r>
+                        <a:rPr lang="fr-FR" dirty="0"/>
+                        <a:t>41505</a:t>
+                      </a:r>
+                    </a:p>
+                  </a:txBody>
+                  <a:tcPr/>
+                </a:tc>
+                <a:extLst>
+                  <a:ext uri="{0D108BD9-81ED-4DB2-BD59-A6C34878D82A}">
+                    <a16:rowId xmlns:a16="http://schemas.microsoft.com/office/drawing/2014/main" val="3507179002"/>
+                  </a:ext>
+                </a:extLst>
+              </a:tr>
+            </a:tbl>
+          </a:graphicData>
+        </a:graphic>
+      </p:graphicFrame>
+      <p:graphicFrame>
+        <p:nvGraphicFramePr>
+          <p:cNvPr id="14" name="Tableau 13">
+            <a:extLst>
+              <a:ext uri="{FF2B5EF4-FFF2-40B4-BE49-F238E27FC236}">
+                <a16:creationId xmlns:a16="http://schemas.microsoft.com/office/drawing/2014/main" id="{B90C2945-7C79-4F58-B063-4E62063A3786}"/>
+              </a:ext>
+            </a:extLst>
+          </p:cNvPr>
+          <p:cNvGraphicFramePr>
+            <a:graphicFrameLocks noGrp="1"/>
+          </p:cNvGraphicFramePr>
+          <p:nvPr>
+            <p:extLst>
+              <p:ext uri="{D42A27DB-BD31-4B8C-83A1-F6EECF244321}">
+                <p14:modId xmlns:p14="http://schemas.microsoft.com/office/powerpoint/2010/main" val="2557909262"/>
+              </p:ext>
+            </p:extLst>
+          </p:nvPr>
+        </p:nvGraphicFramePr>
+        <p:xfrm>
+          <a:off x="719716" y="2505075"/>
+          <a:ext cx="3868338" cy="2021840"/>
+        </p:xfrm>
+        <a:graphic>
+          <a:graphicData uri="http://schemas.openxmlformats.org/drawingml/2006/table">
+            <a:tbl>
+              <a:tblPr firstRow="1" firstCol="1" bandRow="1">
+                <a:tableStyleId>{5C22544A-7EE6-4342-B048-85BDC9FD1C3A}</a:tableStyleId>
+              </a:tblPr>
+              <a:tblGrid>
+                <a:gridCol w="1601063">
+                  <a:extLst>
+                    <a:ext uri="{9D8B030D-6E8A-4147-A177-3AD203B41FA5}">
+                      <a16:colId xmlns:a16="http://schemas.microsoft.com/office/drawing/2014/main" val="3960064089"/>
+                    </a:ext>
+                  </a:extLst>
+                </a:gridCol>
+                <a:gridCol w="977829">
+                  <a:extLst>
+                    <a:ext uri="{9D8B030D-6E8A-4147-A177-3AD203B41FA5}">
+                      <a16:colId xmlns:a16="http://schemas.microsoft.com/office/drawing/2014/main" val="1564665977"/>
+                    </a:ext>
+                  </a:extLst>
+                </a:gridCol>
+                <a:gridCol w="1289446">
+                  <a:extLst>
+                    <a:ext uri="{9D8B030D-6E8A-4147-A177-3AD203B41FA5}">
+                      <a16:colId xmlns:a16="http://schemas.microsoft.com/office/drawing/2014/main" val="2022242874"/>
+                    </a:ext>
+                  </a:extLst>
+                </a:gridCol>
+              </a:tblGrid>
+              <a:tr h="370840">
+                <a:tc>
+                  <a:txBody>
+                    <a:bodyPr/>
+                    <a:lstStyle/>
+                    <a:p>
+                      <a:endParaRPr lang="fr-FR" dirty="0"/>
+                    </a:p>
+                  </a:txBody>
+                  <a:tcPr>
+                    <a:lnL w="12700" cmpd="sng">
+                      <a:noFill/>
+                    </a:lnL>
+                  </a:tcPr>
+                </a:tc>
+                <a:tc>
+                  <a:txBody>
+                    <a:bodyPr/>
+                    <a:lstStyle/>
+                    <a:p>
+                      <a:r>
+                        <a:rPr lang="fr-FR" dirty="0"/>
+                        <a:t>CIM-10 +</a:t>
+                      </a:r>
+                    </a:p>
+                  </a:txBody>
+                  <a:tcPr/>
+                </a:tc>
+                <a:tc>
+                  <a:txBody>
+                    <a:bodyPr/>
+                    <a:lstStyle/>
+                    <a:p>
+                      <a:r>
+                        <a:rPr lang="fr-FR" dirty="0"/>
+                        <a:t>CIM-10 -</a:t>
+                      </a:r>
+                    </a:p>
+                  </a:txBody>
+                  <a:tcPr/>
+                </a:tc>
+                <a:extLst>
+                  <a:ext uri="{0D108BD9-81ED-4DB2-BD59-A6C34878D82A}">
+                    <a16:rowId xmlns:a16="http://schemas.microsoft.com/office/drawing/2014/main" val="870525330"/>
+                  </a:ext>
+                </a:extLst>
+              </a:tr>
+              <a:tr h="370840">
+                <a:tc>
+                  <a:txBody>
+                    <a:bodyPr/>
+                    <a:lstStyle/>
+                    <a:p>
+                      <a:r>
+                        <a:rPr lang="fr-FR" dirty="0"/>
+                        <a:t>Regex seul</a:t>
+                      </a:r>
+                    </a:p>
+                  </a:txBody>
+                  <a:tcPr/>
+                </a:tc>
+                <a:tc>
+                  <a:txBody>
+                    <a:bodyPr/>
+                    <a:lstStyle/>
+                    <a:p>
+                      <a:r>
+                        <a:rPr lang="fr-FR" dirty="0"/>
+                        <a:t>143</a:t>
+                      </a:r>
+                    </a:p>
+                  </a:txBody>
+                  <a:tcPr/>
+                </a:tc>
+                <a:tc>
+                  <a:txBody>
+                    <a:bodyPr/>
+                    <a:lstStyle/>
+                    <a:p>
+                      <a:r>
+                        <a:rPr lang="fr-FR" dirty="0"/>
+                        <a:t>479</a:t>
+                      </a:r>
+                    </a:p>
+                  </a:txBody>
+                  <a:tcPr/>
+                </a:tc>
+                <a:extLst>
+                  <a:ext uri="{0D108BD9-81ED-4DB2-BD59-A6C34878D82A}">
+                    <a16:rowId xmlns:a16="http://schemas.microsoft.com/office/drawing/2014/main" val="2909571024"/>
+                  </a:ext>
+                </a:extLst>
+              </a:tr>
+              <a:tr h="370840">
+                <a:tc>
+                  <a:txBody>
+                    <a:bodyPr/>
+                    <a:lstStyle/>
+                    <a:p>
+                      <a:r>
+                        <a:rPr lang="fr-FR" dirty="0" err="1"/>
+                        <a:t>Regex+context</a:t>
+                      </a:r>
+                      <a:endParaRPr lang="fr-FR" dirty="0"/>
+                    </a:p>
+                  </a:txBody>
+                  <a:tcPr/>
+                </a:tc>
+                <a:tc>
+                  <a:txBody>
+                    <a:bodyPr/>
+                    <a:lstStyle/>
+                    <a:p>
+                      <a:r>
+                        <a:rPr lang="fr-FR" dirty="0"/>
+                        <a:t>527</a:t>
+                      </a:r>
+                    </a:p>
+                  </a:txBody>
+                  <a:tcPr/>
+                </a:tc>
+                <a:tc>
+                  <a:txBody>
+                    <a:bodyPr/>
+                    <a:lstStyle/>
+                    <a:p>
+                      <a:r>
+                        <a:rPr lang="fr-FR" dirty="0"/>
+                        <a:t>276</a:t>
+                      </a:r>
+                    </a:p>
+                  </a:txBody>
+                  <a:tcPr/>
+                </a:tc>
+                <a:extLst>
+                  <a:ext uri="{0D108BD9-81ED-4DB2-BD59-A6C34878D82A}">
+                    <a16:rowId xmlns:a16="http://schemas.microsoft.com/office/drawing/2014/main" val="227472694"/>
+                  </a:ext>
+                </a:extLst>
+              </a:tr>
+              <a:tr h="370840">
+                <a:tc>
+                  <a:txBody>
+                    <a:bodyPr/>
+                    <a:lstStyle/>
+                    <a:p>
+                      <a:r>
+                        <a:rPr lang="fr-FR" dirty="0"/>
+                        <a:t>Pas de notion </a:t>
+                      </a:r>
+                      <a:r>
+                        <a:rPr lang="fr-FR" dirty="0" err="1"/>
+                        <a:t>nlp</a:t>
+                      </a:r>
+                      <a:endParaRPr lang="fr-FR" dirty="0"/>
+                    </a:p>
+                  </a:txBody>
+                  <a:tcPr/>
+                </a:tc>
+                <a:tc>
+                  <a:txBody>
+                    <a:bodyPr/>
+                    <a:lstStyle/>
+                    <a:p>
+                      <a:r>
+                        <a:rPr lang="fr-FR" dirty="0"/>
+                        <a:t>273</a:t>
+                      </a:r>
+                    </a:p>
+                  </a:txBody>
+                  <a:tcPr/>
+                </a:tc>
+                <a:tc>
+                  <a:txBody>
+                    <a:bodyPr/>
+                    <a:lstStyle/>
+                    <a:p>
+                      <a:r>
+                        <a:rPr lang="fr-FR" dirty="0"/>
+                        <a:t>194</a:t>
+                      </a:r>
+                    </a:p>
+                  </a:txBody>
+                  <a:tcPr/>
+                </a:tc>
+                <a:extLst>
+                  <a:ext uri="{0D108BD9-81ED-4DB2-BD59-A6C34878D82A}">
+                    <a16:rowId xmlns:a16="http://schemas.microsoft.com/office/drawing/2014/main" val="2966533988"/>
+                  </a:ext>
+                </a:extLst>
+              </a:tr>
+            </a:tbl>
+          </a:graphicData>
+        </a:graphic>
+      </p:graphicFrame>
+    </p:spTree>
+    <p:extLst>
+      <p:ext uri="{BB962C8B-B14F-4D97-AF65-F5344CB8AC3E}">
+        <p14:creationId xmlns:p14="http://schemas.microsoft.com/office/powerpoint/2010/main" val="1032839029"/>
+      </p:ext>
+    </p:extLst>
+  </p:cSld>
+  <p:clrMapOvr>
+    <a:masterClrMapping/>
+  </p:clrMapOvr>
+</p:sld>
+</file>
+
+<file path=ppt/slides/slide8.xml><?xml version="1.0" encoding="utf-8"?>
+<p:sld xmlns:a="http://schemas.openxmlformats.org/drawingml/2006/main" xmlns:r="http://schemas.openxmlformats.org/officeDocument/2006/relationships" xmlns:p="http://schemas.openxmlformats.org/presentationml/2006/main">
+  <p:cSld>
+    <p:spTree>
+      <p:nvGrpSpPr>
+        <p:cNvPr id="1" name=""/>
+        <p:cNvGrpSpPr/>
+        <p:nvPr/>
+      </p:nvGrpSpPr>
+      <p:grpSpPr>
+        <a:xfrm>
+          <a:off x="0" y="0"/>
+          <a:ext cx="0" cy="0"/>
+          <a:chOff x="0" y="0"/>
+          <a:chExt cx="0" cy="0"/>
+        </a:xfrm>
+      </p:grpSpPr>
+      <p:pic>
+        <p:nvPicPr>
+          <p:cNvPr id="8" name="Image 7">
+            <a:extLst>
+              <a:ext uri="{FF2B5EF4-FFF2-40B4-BE49-F238E27FC236}">
+                <a16:creationId xmlns:a16="http://schemas.microsoft.com/office/drawing/2014/main" id="{2BC70A03-5CFF-47E8-8A4B-1E1DCF3ABC6D}"/>
+              </a:ext>
+            </a:extLst>
+          </p:cNvPr>
+          <p:cNvPicPr>
+            <a:picLocks noChangeAspect="1"/>
+          </p:cNvPicPr>
+          <p:nvPr/>
+        </p:nvPicPr>
+        <p:blipFill>
+          <a:blip r:embed="rId2"/>
+          <a:stretch>
+            <a:fillRect/>
+          </a:stretch>
+        </p:blipFill>
+        <p:spPr>
+          <a:xfrm>
+            <a:off x="1687708" y="1410251"/>
+            <a:ext cx="8809524" cy="5200000"/>
+          </a:xfrm>
+          <a:prstGeom prst="rect">
+            <a:avLst/>
+          </a:prstGeom>
+        </p:spPr>
+      </p:pic>
+      <p:sp>
+        <p:nvSpPr>
+          <p:cNvPr id="9" name="Rectangle 8">
+            <a:extLst>
+              <a:ext uri="{FF2B5EF4-FFF2-40B4-BE49-F238E27FC236}">
+                <a16:creationId xmlns:a16="http://schemas.microsoft.com/office/drawing/2014/main" id="{2649327F-00C8-4A85-BFCD-CB4C84903402}"/>
+              </a:ext>
+            </a:extLst>
+          </p:cNvPr>
+          <p:cNvSpPr/>
+          <p:nvPr/>
+        </p:nvSpPr>
+        <p:spPr>
+          <a:xfrm>
+            <a:off x="522043" y="570915"/>
+            <a:ext cx="222850" cy="177281"/>
+          </a:xfrm>
+          <a:prstGeom prst="rect">
+            <a:avLst/>
+          </a:prstGeom>
+          <a:solidFill>
+            <a:srgbClr val="FFAA94"/>
+          </a:solidFill>
+        </p:spPr>
+        <p:style>
+          <a:lnRef idx="2">
+            <a:schemeClr val="accent1">
+              <a:shade val="50000"/>
+            </a:schemeClr>
+          </a:lnRef>
+          <a:fillRef idx="1">
+            <a:schemeClr val="accent1"/>
+          </a:fillRef>
+          <a:effectRef idx="0">
+            <a:schemeClr val="accent1"/>
+          </a:effectRef>
+          <a:fontRef idx="minor">
+            <a:schemeClr val="lt1"/>
+          </a:fontRef>
+        </p:style>
+        <p:txBody>
+          <a:bodyPr rtlCol="0" anchor="ctr"/>
+          <a:lstStyle/>
+          <a:p>
+            <a:pPr algn="ctr"/>
+            <a:endParaRPr lang="fr-FR"/>
+          </a:p>
+        </p:txBody>
+      </p:sp>
+      <p:sp>
+        <p:nvSpPr>
+          <p:cNvPr id="10" name="Rectangle 9">
+            <a:extLst>
+              <a:ext uri="{FF2B5EF4-FFF2-40B4-BE49-F238E27FC236}">
+                <a16:creationId xmlns:a16="http://schemas.microsoft.com/office/drawing/2014/main" id="{45249892-1103-4C08-A670-FF34D8FD84CB}"/>
+              </a:ext>
+            </a:extLst>
+          </p:cNvPr>
+          <p:cNvSpPr/>
+          <p:nvPr/>
+        </p:nvSpPr>
+        <p:spPr>
+          <a:xfrm>
+            <a:off x="522043" y="320692"/>
+            <a:ext cx="222850" cy="177281"/>
+          </a:xfrm>
+          <a:prstGeom prst="rect">
+            <a:avLst/>
+          </a:prstGeom>
+          <a:solidFill>
+            <a:srgbClr val="CECBCE"/>
+          </a:solidFill>
+        </p:spPr>
+        <p:style>
+          <a:lnRef idx="2">
+            <a:schemeClr val="accent1">
+              <a:shade val="50000"/>
+            </a:schemeClr>
+          </a:lnRef>
+          <a:fillRef idx="1">
+            <a:schemeClr val="accent1"/>
+          </a:fillRef>
+          <a:effectRef idx="0">
+            <a:schemeClr val="accent1"/>
+          </a:effectRef>
+          <a:fontRef idx="minor">
+            <a:schemeClr val="lt1"/>
+          </a:fontRef>
+        </p:style>
+        <p:txBody>
+          <a:bodyPr rtlCol="0" anchor="ctr"/>
+          <a:lstStyle/>
+          <a:p>
+            <a:pPr algn="ctr"/>
+            <a:endParaRPr lang="fr-FR"/>
+          </a:p>
+        </p:txBody>
+      </p:sp>
+      <p:sp>
+        <p:nvSpPr>
+          <p:cNvPr id="11" name="ZoneTexte 10">
+            <a:extLst>
+              <a:ext uri="{FF2B5EF4-FFF2-40B4-BE49-F238E27FC236}">
+                <a16:creationId xmlns:a16="http://schemas.microsoft.com/office/drawing/2014/main" id="{9DF8BF35-DA56-4F26-932F-8E53F482F721}"/>
+              </a:ext>
+            </a:extLst>
+          </p:cNvPr>
+          <p:cNvSpPr txBox="1"/>
+          <p:nvPr/>
+        </p:nvSpPr>
+        <p:spPr>
+          <a:xfrm>
+            <a:off x="744893" y="247749"/>
+            <a:ext cx="6925414" cy="1200329"/>
+          </a:xfrm>
+          <a:prstGeom prst="rect">
+            <a:avLst/>
+          </a:prstGeom>
+          <a:noFill/>
+        </p:spPr>
+        <p:txBody>
+          <a:bodyPr wrap="square" rtlCol="0">
+            <a:spAutoFit/>
+          </a:bodyPr>
+          <a:lstStyle/>
+          <a:p>
+            <a:r>
+              <a:rPr lang="fr-FR" dirty="0"/>
+              <a:t>Première consultation au HUS</a:t>
+            </a:r>
+          </a:p>
+          <a:p>
+            <a:r>
+              <a:rPr lang="fr-FR" dirty="0"/>
+              <a:t>Première consultation au HUS en rapport avec la PR « </a:t>
+            </a:r>
+            <a:r>
+              <a:rPr lang="fr-FR" dirty="0" err="1"/>
+              <a:t>nlp</a:t>
+            </a:r>
+            <a:r>
+              <a:rPr lang="fr-FR" dirty="0"/>
+              <a:t> »</a:t>
+            </a:r>
+          </a:p>
+          <a:p>
+            <a:r>
+              <a:rPr lang="fr-FR" dirty="0"/>
+              <a:t>Première consultation au HUS en rapport avec la PR, code </a:t>
+            </a:r>
+            <a:r>
+              <a:rPr lang="fr-FR" dirty="0" err="1"/>
+              <a:t>cim</a:t>
+            </a:r>
+            <a:endParaRPr lang="fr-FR" dirty="0"/>
+          </a:p>
+          <a:p>
+            <a:endParaRPr lang="fr-FR" dirty="0"/>
+          </a:p>
+        </p:txBody>
+      </p:sp>
+      <p:sp>
+        <p:nvSpPr>
+          <p:cNvPr id="12" name="Rectangle 11">
+            <a:extLst>
+              <a:ext uri="{FF2B5EF4-FFF2-40B4-BE49-F238E27FC236}">
+                <a16:creationId xmlns:a16="http://schemas.microsoft.com/office/drawing/2014/main" id="{E9D89D61-8A25-4C98-9C13-E19EB4BE7659}"/>
+              </a:ext>
+            </a:extLst>
+          </p:cNvPr>
+          <p:cNvSpPr/>
+          <p:nvPr/>
+        </p:nvSpPr>
+        <p:spPr>
+          <a:xfrm>
+            <a:off x="522043" y="821138"/>
+            <a:ext cx="222850" cy="177281"/>
+          </a:xfrm>
+          <a:prstGeom prst="rect">
+            <a:avLst/>
+          </a:prstGeom>
+          <a:solidFill>
+            <a:srgbClr val="C6F3CE"/>
+          </a:solidFill>
+        </p:spPr>
+        <p:style>
+          <a:lnRef idx="2">
+            <a:schemeClr val="accent1">
+              <a:shade val="50000"/>
+            </a:schemeClr>
+          </a:lnRef>
+          <a:fillRef idx="1">
+            <a:schemeClr val="accent1"/>
+          </a:fillRef>
+          <a:effectRef idx="0">
+            <a:schemeClr val="accent1"/>
+          </a:effectRef>
+          <a:fontRef idx="minor">
+            <a:schemeClr val="lt1"/>
+          </a:fontRef>
+        </p:style>
+        <p:txBody>
+          <a:bodyPr rtlCol="0" anchor="ctr"/>
+          <a:lstStyle/>
+          <a:p>
+            <a:pPr algn="ctr"/>
+            <a:endParaRPr lang="fr-FR"/>
+          </a:p>
+        </p:txBody>
+      </p:sp>
+    </p:spTree>
+    <p:extLst>
+      <p:ext uri="{BB962C8B-B14F-4D97-AF65-F5344CB8AC3E}">
+        <p14:creationId xmlns:p14="http://schemas.microsoft.com/office/powerpoint/2010/main" val="763337475"/>
       </p:ext>
     </p:extLst>
   </p:cSld>

--- a/exploPR.pptx
+++ b/exploPR.pptx
@@ -3464,14 +3464,14 @@
             <p:ph idx="1"/>
             <p:extLst>
               <p:ext uri="{D42A27DB-BD31-4B8C-83A1-F6EECF244321}">
-                <p14:modId xmlns:p14="http://schemas.microsoft.com/office/powerpoint/2010/main" val="2947181352"/>
+                <p14:modId xmlns:p14="http://schemas.microsoft.com/office/powerpoint/2010/main" val="2547851755"/>
               </p:ext>
             </p:extLst>
           </p:nvPr>
         </p:nvGraphicFramePr>
         <p:xfrm>
           <a:off x="838200" y="4282318"/>
-          <a:ext cx="10515600" cy="1920240"/>
+          <a:ext cx="10515600" cy="1651000"/>
         </p:xfrm>
         <a:graphic>
           <a:graphicData uri="http://schemas.openxmlformats.org/drawingml/2006/table">
@@ -3637,20 +3637,24 @@
                     <a:p>
                       <a:r>
                         <a:rPr lang="fr-FR" dirty="0"/>
-                        <a:t>Avec expression régulière trouvé</a:t>
-                      </a:r>
-                    </a:p>
-                  </a:txBody>
-                  <a:tcPr/>
-                </a:tc>
-                <a:tc>
-                  <a:txBody>
-                    <a:bodyPr/>
-                    <a:lstStyle/>
-                    <a:p>
-                      <a:r>
-                        <a:rPr lang="fr-FR" dirty="0"/>
-                        <a:t>Avec PR positive</a:t>
+                        <a:t>Regex+ </a:t>
+                      </a:r>
+                    </a:p>
+                  </a:txBody>
+                  <a:tcPr/>
+                </a:tc>
+                <a:tc>
+                  <a:txBody>
+                    <a:bodyPr/>
+                    <a:lstStyle/>
+                    <a:p>
+                      <a:r>
+                        <a:rPr lang="fr-FR" dirty="0" err="1"/>
+                        <a:t>Context</a:t>
+                      </a:r>
+                      <a:r>
+                        <a:rPr lang="fr-FR" dirty="0"/>
+                        <a:t>+</a:t>
                       </a:r>
                     </a:p>
                   </a:txBody>
@@ -3676,20 +3680,24 @@
                     <a:p>
                       <a:r>
                         <a:rPr lang="fr-FR" dirty="0"/>
-                        <a:t>Avec expression régulière trouvé</a:t>
-                      </a:r>
-                    </a:p>
-                  </a:txBody>
-                  <a:tcPr/>
-                </a:tc>
-                <a:tc>
-                  <a:txBody>
-                    <a:bodyPr/>
-                    <a:lstStyle/>
-                    <a:p>
-                      <a:r>
-                        <a:rPr lang="fr-FR" dirty="0"/>
-                        <a:t>Avec PR positive</a:t>
+                        <a:t>Regex+ </a:t>
+                      </a:r>
+                    </a:p>
+                  </a:txBody>
+                  <a:tcPr/>
+                </a:tc>
+                <a:tc>
+                  <a:txBody>
+                    <a:bodyPr/>
+                    <a:lstStyle/>
+                    <a:p>
+                      <a:r>
+                        <a:rPr lang="fr-FR" dirty="0" err="1"/>
+                        <a:t>Context</a:t>
+                      </a:r>
+                      <a:r>
+                        <a:rPr lang="fr-FR" dirty="0"/>
+                        <a:t>+</a:t>
                       </a:r>
                     </a:p>
                   </a:txBody>
@@ -3811,14 +3819,14 @@
           <p:nvPr>
             <p:extLst>
               <p:ext uri="{D42A27DB-BD31-4B8C-83A1-F6EECF244321}">
-                <p14:modId xmlns:p14="http://schemas.microsoft.com/office/powerpoint/2010/main" val="1635096855"/>
+                <p14:modId xmlns:p14="http://schemas.microsoft.com/office/powerpoint/2010/main" val="1684026179"/>
               </p:ext>
             </p:extLst>
           </p:nvPr>
         </p:nvGraphicFramePr>
         <p:xfrm>
           <a:off x="1283855" y="2316480"/>
-          <a:ext cx="8128000" cy="1381760"/>
+          <a:ext cx="8128000" cy="1112520"/>
         </p:xfrm>
         <a:graphic>
           <a:graphicData uri="http://schemas.openxmlformats.org/drawingml/2006/table">
@@ -3874,20 +3882,24 @@
                     <a:p>
                       <a:r>
                         <a:rPr lang="fr-FR" dirty="0"/>
-                        <a:t>Expression régulière</a:t>
-                      </a:r>
-                    </a:p>
-                  </a:txBody>
-                  <a:tcPr/>
-                </a:tc>
-                <a:tc>
-                  <a:txBody>
-                    <a:bodyPr/>
-                    <a:lstStyle/>
-                    <a:p>
-                      <a:r>
-                        <a:rPr lang="fr-FR" dirty="0"/>
-                        <a:t>NLP</a:t>
+                        <a:t>Regex+ </a:t>
+                      </a:r>
+                    </a:p>
+                  </a:txBody>
+                  <a:tcPr/>
+                </a:tc>
+                <a:tc>
+                  <a:txBody>
+                    <a:bodyPr/>
+                    <a:lstStyle/>
+                    <a:p>
+                      <a:r>
+                        <a:rPr lang="fr-FR" dirty="0" err="1"/>
+                        <a:t>Context</a:t>
+                      </a:r>
+                      <a:r>
+                        <a:rPr lang="fr-FR" dirty="0"/>
+                        <a:t>+</a:t>
                       </a:r>
                     </a:p>
                   </a:txBody>
@@ -4206,14 +4218,14 @@
           <p:nvPr>
             <p:extLst>
               <p:ext uri="{D42A27DB-BD31-4B8C-83A1-F6EECF244321}">
-                <p14:modId xmlns:p14="http://schemas.microsoft.com/office/powerpoint/2010/main" val="1848401218"/>
+                <p14:modId xmlns:p14="http://schemas.microsoft.com/office/powerpoint/2010/main" val="4195859908"/>
               </p:ext>
             </p:extLst>
           </p:nvPr>
         </p:nvGraphicFramePr>
         <p:xfrm>
           <a:off x="6194428" y="2505075"/>
-          <a:ext cx="3868338" cy="2021840"/>
+          <a:ext cx="3868338" cy="2560320"/>
         </p:xfrm>
         <a:graphic>
           <a:graphicData uri="http://schemas.openxmlformats.org/drawingml/2006/table">
@@ -4299,7 +4311,15 @@
                     <a:p>
                       <a:r>
                         <a:rPr lang="fr-FR" dirty="0"/>
-                        <a:t>Regex seul</a:t>
+                        <a:t>Regex+  </a:t>
+                      </a:r>
+                      <a:r>
+                        <a:rPr lang="fr-FR" dirty="0" err="1"/>
+                        <a:t>Context</a:t>
+                      </a:r>
+                      <a:r>
+                        <a:rPr lang="fr-FR" dirty="0"/>
+                        <a:t>-</a:t>
                       </a:r>
                     </a:p>
                   </a:txBody>
@@ -4344,10 +4364,17 @@
                     <a:lstStyle/>
                     <a:p>
                       <a:r>
+                        <a:rPr lang="fr-FR" dirty="0"/>
+                        <a:t>Regex+  </a:t>
+                      </a:r>
+                      <a:r>
                         <a:rPr lang="fr-FR" dirty="0" err="1"/>
-                        <a:t>Regex+context</a:t>
-                      </a:r>
-                      <a:endParaRPr lang="fr-FR" dirty="0"/>
+                        <a:t>Context</a:t>
+                      </a:r>
+                      <a:r>
+                        <a:rPr lang="fr-FR" dirty="0"/>
+                        <a:t>+</a:t>
+                      </a:r>
                     </a:p>
                   </a:txBody>
                   <a:tcPr/>
@@ -4392,13 +4419,16 @@
                     <a:p>
                       <a:r>
                         <a:rPr lang="fr-FR" dirty="0"/>
-                        <a:t>Pas de notion </a:t>
+                        <a:t>Regex- </a:t>
                       </a:r>
                       <a:r>
                         <a:rPr lang="fr-FR" dirty="0" err="1"/>
-                        <a:t>nlp</a:t>
-                      </a:r>
-                      <a:endParaRPr lang="fr-FR" dirty="0"/>
+                        <a:t>Context</a:t>
+                      </a:r>
+                      <a:r>
+                        <a:rPr lang="fr-FR" dirty="0"/>
+                        <a:t>-</a:t>
+                      </a:r>
                     </a:p>
                   </a:txBody>
                   <a:tcPr/>
@@ -4454,14 +4484,14 @@
           <p:nvPr>
             <p:extLst>
               <p:ext uri="{D42A27DB-BD31-4B8C-83A1-F6EECF244321}">
-                <p14:modId xmlns:p14="http://schemas.microsoft.com/office/powerpoint/2010/main" val="4079665443"/>
+                <p14:modId xmlns:p14="http://schemas.microsoft.com/office/powerpoint/2010/main" val="950562006"/>
               </p:ext>
             </p:extLst>
           </p:nvPr>
         </p:nvGraphicFramePr>
         <p:xfrm>
           <a:off x="719716" y="2505075"/>
-          <a:ext cx="3868338" cy="2021840"/>
+          <a:ext cx="3868338" cy="2560320"/>
         </p:xfrm>
         <a:graphic>
           <a:graphicData uri="http://schemas.openxmlformats.org/drawingml/2006/table">
@@ -4547,33 +4577,41 @@
                     <a:p>
                       <a:r>
                         <a:rPr lang="fr-FR" dirty="0"/>
-                        <a:t>Regex seul</a:t>
-                      </a:r>
-                    </a:p>
-                  </a:txBody>
-                  <a:tcPr/>
-                </a:tc>
-                <a:tc>
-                  <a:txBody>
-                    <a:bodyPr/>
-                    <a:lstStyle/>
-                    <a:p>
-                      <a:r>
-                        <a:rPr lang="fr-FR" dirty="0"/>
-                        <a:t>273</a:t>
-                      </a:r>
-                    </a:p>
-                  </a:txBody>
-                  <a:tcPr/>
-                </a:tc>
-                <a:tc>
-                  <a:txBody>
-                    <a:bodyPr/>
-                    <a:lstStyle/>
-                    <a:p>
-                      <a:r>
-                        <a:rPr lang="fr-FR" dirty="0"/>
-                        <a:t>730</a:t>
+                        <a:t>Regex+  </a:t>
+                      </a:r>
+                      <a:r>
+                        <a:rPr lang="fr-FR" dirty="0" err="1"/>
+                        <a:t>Context</a:t>
+                      </a:r>
+                      <a:r>
+                        <a:rPr lang="fr-FR" dirty="0"/>
+                        <a:t>-</a:t>
+                      </a:r>
+                    </a:p>
+                  </a:txBody>
+                  <a:tcPr/>
+                </a:tc>
+                <a:tc>
+                  <a:txBody>
+                    <a:bodyPr/>
+                    <a:lstStyle/>
+                    <a:p>
+                      <a:r>
+                        <a:rPr lang="fr-FR" dirty="0"/>
+                        <a:t>629</a:t>
+                      </a:r>
+                    </a:p>
+                  </a:txBody>
+                  <a:tcPr/>
+                </a:tc>
+                <a:tc>
+                  <a:txBody>
+                    <a:bodyPr/>
+                    <a:lstStyle/>
+                    <a:p>
+                      <a:r>
+                        <a:rPr lang="fr-FR" dirty="0"/>
+                        <a:t>657</a:t>
                       </a:r>
                     </a:p>
                   </a:txBody>
@@ -4592,10 +4630,17 @@
                     <a:lstStyle/>
                     <a:p>
                       <a:r>
+                        <a:rPr lang="fr-FR" dirty="0"/>
+                        <a:t>Regex+  </a:t>
+                      </a:r>
+                      <a:r>
                         <a:rPr lang="fr-FR" dirty="0" err="1"/>
-                        <a:t>Regex+context</a:t>
-                      </a:r>
-                      <a:endParaRPr lang="fr-FR" dirty="0"/>
+                        <a:t>Context</a:t>
+                      </a:r>
+                      <a:r>
+                        <a:rPr lang="fr-FR" dirty="0"/>
+                        <a:t>+</a:t>
+                      </a:r>
                     </a:p>
                   </a:txBody>
                   <a:tcPr/>
@@ -4640,38 +4685,41 @@
                     <a:p>
                       <a:r>
                         <a:rPr lang="fr-FR" dirty="0"/>
-                        <a:t>Pas de notion </a:t>
+                        <a:t>Regex- </a:t>
                       </a:r>
                       <a:r>
                         <a:rPr lang="fr-FR" dirty="0" err="1"/>
-                        <a:t>nlp</a:t>
-                      </a:r>
-                      <a:endParaRPr lang="fr-FR" dirty="0"/>
-                    </a:p>
-                  </a:txBody>
-                  <a:tcPr/>
-                </a:tc>
-                <a:tc>
-                  <a:txBody>
-                    <a:bodyPr/>
-                    <a:lstStyle/>
-                    <a:p>
-                      <a:r>
-                        <a:rPr lang="fr-FR" dirty="0"/>
-                        <a:t>210</a:t>
-                      </a:r>
-                    </a:p>
-                  </a:txBody>
-                  <a:tcPr/>
-                </a:tc>
-                <a:tc>
-                  <a:txBody>
-                    <a:bodyPr/>
-                    <a:lstStyle/>
-                    <a:p>
-                      <a:r>
-                        <a:rPr lang="fr-FR" dirty="0"/>
-                        <a:t>3971</a:t>
+                        <a:t>Context</a:t>
+                      </a:r>
+                      <a:r>
+                        <a:rPr lang="fr-FR" dirty="0"/>
+                        <a:t>-</a:t>
+                      </a:r>
+                    </a:p>
+                  </a:txBody>
+                  <a:tcPr/>
+                </a:tc>
+                <a:tc>
+                  <a:txBody>
+                    <a:bodyPr/>
+                    <a:lstStyle/>
+                    <a:p>
+                      <a:r>
+                        <a:rPr lang="fr-FR" dirty="0"/>
+                        <a:t>3615</a:t>
+                      </a:r>
+                    </a:p>
+                  </a:txBody>
+                  <a:tcPr/>
+                </a:tc>
+                <a:tc>
+                  <a:txBody>
+                    <a:bodyPr/>
+                    <a:lstStyle/>
+                    <a:p>
+                      <a:r>
+                        <a:rPr lang="fr-FR" dirty="0"/>
+                        <a:t>9</a:t>
                       </a:r>
                     </a:p>
                   </a:txBody>
@@ -5295,14 +5343,14 @@
             <p:ph idx="1"/>
             <p:extLst>
               <p:ext uri="{D42A27DB-BD31-4B8C-83A1-F6EECF244321}">
-                <p14:modId xmlns:p14="http://schemas.microsoft.com/office/powerpoint/2010/main" val="1710265866"/>
+                <p14:modId xmlns:p14="http://schemas.microsoft.com/office/powerpoint/2010/main" val="2226140843"/>
               </p:ext>
             </p:extLst>
           </p:nvPr>
         </p:nvGraphicFramePr>
         <p:xfrm>
           <a:off x="838200" y="4282318"/>
-          <a:ext cx="10515600" cy="1920240"/>
+          <a:ext cx="10515600" cy="1651000"/>
         </p:xfrm>
         <a:graphic>
           <a:graphicData uri="http://schemas.openxmlformats.org/drawingml/2006/table">
@@ -5468,20 +5516,24 @@
                     <a:p>
                       <a:r>
                         <a:rPr lang="fr-FR" dirty="0"/>
-                        <a:t>Avec expression régulière trouvé</a:t>
-                      </a:r>
-                    </a:p>
-                  </a:txBody>
-                  <a:tcPr/>
-                </a:tc>
-                <a:tc>
-                  <a:txBody>
-                    <a:bodyPr/>
-                    <a:lstStyle/>
-                    <a:p>
-                      <a:r>
-                        <a:rPr lang="fr-FR" dirty="0"/>
-                        <a:t>Avec PR positive</a:t>
+                        <a:t>Regex+ </a:t>
+                      </a:r>
+                    </a:p>
+                  </a:txBody>
+                  <a:tcPr/>
+                </a:tc>
+                <a:tc>
+                  <a:txBody>
+                    <a:bodyPr/>
+                    <a:lstStyle/>
+                    <a:p>
+                      <a:r>
+                        <a:rPr lang="fr-FR" dirty="0" err="1"/>
+                        <a:t>Context</a:t>
+                      </a:r>
+                      <a:r>
+                        <a:rPr lang="fr-FR" dirty="0"/>
+                        <a:t>+</a:t>
                       </a:r>
                     </a:p>
                   </a:txBody>
@@ -5507,20 +5559,24 @@
                     <a:p>
                       <a:r>
                         <a:rPr lang="fr-FR" dirty="0"/>
-                        <a:t>Avec expression régulière trouvé</a:t>
-                      </a:r>
-                    </a:p>
-                  </a:txBody>
-                  <a:tcPr/>
-                </a:tc>
-                <a:tc>
-                  <a:txBody>
-                    <a:bodyPr/>
-                    <a:lstStyle/>
-                    <a:p>
-                      <a:r>
-                        <a:rPr lang="fr-FR" dirty="0"/>
-                        <a:t>Avec PR positive</a:t>
+                        <a:t>Regex+ </a:t>
+                      </a:r>
+                    </a:p>
+                  </a:txBody>
+                  <a:tcPr/>
+                </a:tc>
+                <a:tc>
+                  <a:txBody>
+                    <a:bodyPr/>
+                    <a:lstStyle/>
+                    <a:p>
+                      <a:r>
+                        <a:rPr lang="fr-FR" dirty="0" err="1"/>
+                        <a:t>Context</a:t>
+                      </a:r>
+                      <a:r>
+                        <a:rPr lang="fr-FR" dirty="0"/>
+                        <a:t>+</a:t>
                       </a:r>
                     </a:p>
                   </a:txBody>
@@ -5642,14 +5698,14 @@
           <p:nvPr>
             <p:extLst>
               <p:ext uri="{D42A27DB-BD31-4B8C-83A1-F6EECF244321}">
-                <p14:modId xmlns:p14="http://schemas.microsoft.com/office/powerpoint/2010/main" val="773911729"/>
+                <p14:modId xmlns:p14="http://schemas.microsoft.com/office/powerpoint/2010/main" val="2479230714"/>
               </p:ext>
             </p:extLst>
           </p:nvPr>
         </p:nvGraphicFramePr>
         <p:xfrm>
           <a:off x="1283855" y="2316480"/>
-          <a:ext cx="8128000" cy="1381760"/>
+          <a:ext cx="8128000" cy="1112520"/>
         </p:xfrm>
         <a:graphic>
           <a:graphicData uri="http://schemas.openxmlformats.org/drawingml/2006/table">
@@ -5705,20 +5761,24 @@
                     <a:p>
                       <a:r>
                         <a:rPr lang="fr-FR" dirty="0"/>
-                        <a:t>Expression régulière</a:t>
-                      </a:r>
-                    </a:p>
-                  </a:txBody>
-                  <a:tcPr/>
-                </a:tc>
-                <a:tc>
-                  <a:txBody>
-                    <a:bodyPr/>
-                    <a:lstStyle/>
-                    <a:p>
-                      <a:r>
-                        <a:rPr lang="fr-FR" dirty="0"/>
-                        <a:t>NLP</a:t>
+                        <a:t>Regex+ </a:t>
+                      </a:r>
+                    </a:p>
+                  </a:txBody>
+                  <a:tcPr/>
+                </a:tc>
+                <a:tc>
+                  <a:txBody>
+                    <a:bodyPr/>
+                    <a:lstStyle/>
+                    <a:p>
+                      <a:r>
+                        <a:rPr lang="fr-FR" dirty="0" err="1"/>
+                        <a:t>Context</a:t>
+                      </a:r>
+                      <a:r>
+                        <a:rPr lang="fr-FR" dirty="0"/>
+                        <a:t>+</a:t>
                       </a:r>
                     </a:p>
                   </a:txBody>
@@ -6037,14 +6097,14 @@
           <p:nvPr>
             <p:extLst>
               <p:ext uri="{D42A27DB-BD31-4B8C-83A1-F6EECF244321}">
-                <p14:modId xmlns:p14="http://schemas.microsoft.com/office/powerpoint/2010/main" val="225021699"/>
+                <p14:modId xmlns:p14="http://schemas.microsoft.com/office/powerpoint/2010/main" val="203779710"/>
               </p:ext>
             </p:extLst>
           </p:nvPr>
         </p:nvGraphicFramePr>
         <p:xfrm>
           <a:off x="6194428" y="2505075"/>
-          <a:ext cx="3868338" cy="2021840"/>
+          <a:ext cx="3868338" cy="2560320"/>
         </p:xfrm>
         <a:graphic>
           <a:graphicData uri="http://schemas.openxmlformats.org/drawingml/2006/table">
@@ -6130,7 +6190,15 @@
                     <a:p>
                       <a:r>
                         <a:rPr lang="fr-FR" dirty="0"/>
-                        <a:t>Regex seul</a:t>
+                        <a:t>Regex+  </a:t>
+                      </a:r>
+                      <a:r>
+                        <a:rPr lang="fr-FR" dirty="0" err="1"/>
+                        <a:t>Context</a:t>
+                      </a:r>
+                      <a:r>
+                        <a:rPr lang="fr-FR" dirty="0"/>
+                        <a:t>-</a:t>
                       </a:r>
                     </a:p>
                   </a:txBody>
@@ -6175,10 +6243,17 @@
                     <a:lstStyle/>
                     <a:p>
                       <a:r>
+                        <a:rPr lang="fr-FR" dirty="0"/>
+                        <a:t>Regex+  </a:t>
+                      </a:r>
+                      <a:r>
                         <a:rPr lang="fr-FR" dirty="0" err="1"/>
-                        <a:t>Regex+context</a:t>
-                      </a:r>
-                      <a:endParaRPr lang="fr-FR" dirty="0"/>
+                        <a:t>Context</a:t>
+                      </a:r>
+                      <a:r>
+                        <a:rPr lang="fr-FR" dirty="0"/>
+                        <a:t>+</a:t>
+                      </a:r>
                     </a:p>
                   </a:txBody>
                   <a:tcPr/>
@@ -6223,13 +6298,16 @@
                     <a:p>
                       <a:r>
                         <a:rPr lang="fr-FR" dirty="0"/>
-                        <a:t>Pas de notion </a:t>
+                        <a:t>Regex- </a:t>
                       </a:r>
                       <a:r>
                         <a:rPr lang="fr-FR" dirty="0" err="1"/>
-                        <a:t>nlp</a:t>
-                      </a:r>
-                      <a:endParaRPr lang="fr-FR" dirty="0"/>
+                        <a:t>Context</a:t>
+                      </a:r>
+                      <a:r>
+                        <a:rPr lang="fr-FR" dirty="0"/>
+                        <a:t>-</a:t>
+                      </a:r>
                     </a:p>
                   </a:txBody>
                   <a:tcPr/>
@@ -6285,14 +6363,14 @@
           <p:nvPr>
             <p:extLst>
               <p:ext uri="{D42A27DB-BD31-4B8C-83A1-F6EECF244321}">
-                <p14:modId xmlns:p14="http://schemas.microsoft.com/office/powerpoint/2010/main" val="2557909262"/>
+                <p14:modId xmlns:p14="http://schemas.microsoft.com/office/powerpoint/2010/main" val="2749422235"/>
               </p:ext>
             </p:extLst>
           </p:nvPr>
         </p:nvGraphicFramePr>
         <p:xfrm>
           <a:off x="719716" y="2505075"/>
-          <a:ext cx="3868338" cy="2021840"/>
+          <a:ext cx="3868338" cy="2560320"/>
         </p:xfrm>
         <a:graphic>
           <a:graphicData uri="http://schemas.openxmlformats.org/drawingml/2006/table">
@@ -6378,33 +6456,42 @@
                     <a:p>
                       <a:r>
                         <a:rPr lang="fr-FR" dirty="0"/>
-                        <a:t>Regex seul</a:t>
-                      </a:r>
-                    </a:p>
-                  </a:txBody>
-                  <a:tcPr/>
-                </a:tc>
-                <a:tc>
-                  <a:txBody>
-                    <a:bodyPr/>
-                    <a:lstStyle/>
-                    <a:p>
-                      <a:r>
-                        <a:rPr lang="fr-FR" dirty="0"/>
-                        <a:t>143</a:t>
-                      </a:r>
-                    </a:p>
-                  </a:txBody>
-                  <a:tcPr/>
-                </a:tc>
-                <a:tc>
-                  <a:txBody>
-                    <a:bodyPr/>
-                    <a:lstStyle/>
-                    <a:p>
-                      <a:r>
-                        <a:rPr lang="fr-FR" dirty="0"/>
-                        <a:t>479</a:t>
+                        <a:t>Regex+  </a:t>
+                      </a:r>
+                      <a:r>
+                        <a:rPr lang="fr-FR" dirty="0" err="1"/>
+                        <a:t>Context</a:t>
+                      </a:r>
+                      <a:r>
+                        <a:rPr lang="fr-FR" dirty="0"/>
+                        <a:t>-</a:t>
+                      </a:r>
+                    </a:p>
+                  </a:txBody>
+                  <a:tcPr/>
+                </a:tc>
+                <a:tc>
+                  <a:txBody>
+                    <a:bodyPr/>
+                    <a:lstStyle/>
+                    <a:p>
+                      <a:r>
+                        <a:rPr lang="fr-FR"/>
+                        <a:t>420</a:t>
+                      </a:r>
+                      <a:endParaRPr lang="fr-FR" dirty="0"/>
+                    </a:p>
+                  </a:txBody>
+                  <a:tcPr/>
+                </a:tc>
+                <a:tc>
+                  <a:txBody>
+                    <a:bodyPr/>
+                    <a:lstStyle/>
+                    <a:p>
+                      <a:r>
+                        <a:rPr lang="fr-FR" dirty="0"/>
+                        <a:t>673</a:t>
                       </a:r>
                     </a:p>
                   </a:txBody>
@@ -6423,10 +6510,17 @@
                     <a:lstStyle/>
                     <a:p>
                       <a:r>
+                        <a:rPr lang="fr-FR" dirty="0"/>
+                        <a:t>Regex+  </a:t>
+                      </a:r>
+                      <a:r>
                         <a:rPr lang="fr-FR" dirty="0" err="1"/>
-                        <a:t>Regex+context</a:t>
-                      </a:r>
-                      <a:endParaRPr lang="fr-FR" dirty="0"/>
+                        <a:t>Context</a:t>
+                      </a:r>
+                      <a:r>
+                        <a:rPr lang="fr-FR" dirty="0"/>
+                        <a:t>+</a:t>
+                      </a:r>
                     </a:p>
                   </a:txBody>
                   <a:tcPr/>
@@ -6463,47 +6557,47 @@
                   </a:ext>
                 </a:extLst>
               </a:tr>
-              <a:tr h="370840">
-                <a:tc>
-                  <a:txBody>
-                    <a:bodyPr/>
-                    <a:lstStyle/>
-                    <a:p>
-                      <a:r>
-                        <a:rPr lang="fr-FR" dirty="0"/>
-                        <a:t>Pas de notion </a:t>
+              <a:tr h="451436">
+                <a:tc>
+                  <a:txBody>
+                    <a:bodyPr/>
+                    <a:lstStyle/>
+                    <a:p>
+                      <a:r>
+                        <a:rPr lang="fr-FR" dirty="0"/>
+                        <a:t>Regex- </a:t>
                       </a:r>
                       <a:r>
                         <a:rPr lang="fr-FR" dirty="0" err="1"/>
-                        <a:t>nlp</a:t>
-                      </a:r>
+                        <a:t>Context</a:t>
+                      </a:r>
+                      <a:r>
+                        <a:rPr lang="fr-FR" dirty="0"/>
+                        <a:t>-</a:t>
+                      </a:r>
+                    </a:p>
+                  </a:txBody>
+                  <a:tcPr/>
+                </a:tc>
+                <a:tc>
+                  <a:txBody>
+                    <a:bodyPr/>
+                    <a:lstStyle/>
+                    <a:p>
+                      <a:r>
+                        <a:rPr lang="fr-FR" dirty="0"/>
+                        <a:t>949</a:t>
+                      </a:r>
+                    </a:p>
+                  </a:txBody>
+                  <a:tcPr/>
+                </a:tc>
+                <a:tc>
+                  <a:txBody>
+                    <a:bodyPr/>
+                    <a:lstStyle/>
+                    <a:p>
                       <a:endParaRPr lang="fr-FR" dirty="0"/>
-                    </a:p>
-                  </a:txBody>
-                  <a:tcPr/>
-                </a:tc>
-                <a:tc>
-                  <a:txBody>
-                    <a:bodyPr/>
-                    <a:lstStyle/>
-                    <a:p>
-                      <a:r>
-                        <a:rPr lang="fr-FR" dirty="0"/>
-                        <a:t>273</a:t>
-                      </a:r>
-                    </a:p>
-                  </a:txBody>
-                  <a:tcPr/>
-                </a:tc>
-                <a:tc>
-                  <a:txBody>
-                    <a:bodyPr/>
-                    <a:lstStyle/>
-                    <a:p>
-                      <a:r>
-                        <a:rPr lang="fr-FR" dirty="0"/>
-                        <a:t>194</a:t>
-                      </a:r>
                     </a:p>
                   </a:txBody>
                   <a:tcPr/>
